--- a/Algorithm_lecture/05_BFS.pptx
+++ b/Algorithm_lecture/05_BFS.pptx
@@ -5,7 +5,7 @@
     <p:sldMasterId id="2147483648" r:id="rId1"/>
   </p:sldMasterIdLst>
   <p:notesMasterIdLst>
-    <p:notesMasterId r:id="rId21"/>
+    <p:notesMasterId r:id="rId24"/>
   </p:notesMasterIdLst>
   <p:sldIdLst>
     <p:sldId id="267" r:id="rId2"/>
@@ -27,29 +27,32 @@
     <p:sldId id="345" r:id="rId18"/>
     <p:sldId id="347" r:id="rId19"/>
     <p:sldId id="346" r:id="rId20"/>
+    <p:sldId id="353" r:id="rId21"/>
+    <p:sldId id="352" r:id="rId22"/>
+    <p:sldId id="354" r:id="rId23"/>
   </p:sldIdLst>
   <p:sldSz cx="12190413" cy="6858000"/>
   <p:notesSz cx="6858000" cy="9144000"/>
   <p:embeddedFontLst>
     <p:embeddedFont>
+      <p:font typeface="맑은 고딕" panose="020B0503020000020004" pitchFamily="50" charset="-127"/>
+      <p:regular r:id="rId25"/>
+      <p:bold r:id="rId26"/>
+    </p:embeddedFont>
+    <p:embeddedFont>
+      <p:font typeface="-윤고딕330" panose="020B0600000101010101" charset="-127"/>
+      <p:regular r:id="rId27"/>
+    </p:embeddedFont>
+    <p:embeddedFont>
       <p:font typeface="-윤고딕310" panose="020B0600000101010101" charset="-127"/>
-      <p:regular r:id="rId22"/>
+      <p:regular r:id="rId28"/>
     </p:embeddedFont>
     <p:embeddedFont>
       <p:font typeface="Consolas" panose="020B0609020204030204" pitchFamily="49" charset="0"/>
-      <p:regular r:id="rId23"/>
-      <p:bold r:id="rId24"/>
-      <p:italic r:id="rId25"/>
-      <p:boldItalic r:id="rId26"/>
-    </p:embeddedFont>
-    <p:embeddedFont>
-      <p:font typeface="맑은 고딕" panose="020B0503020000020004" pitchFamily="50" charset="-127"/>
-      <p:regular r:id="rId27"/>
-      <p:bold r:id="rId28"/>
-    </p:embeddedFont>
-    <p:embeddedFont>
-      <p:font typeface="-윤고딕330" panose="020B0600000101010101" charset="-127"/>
       <p:regular r:id="rId29"/>
+      <p:bold r:id="rId30"/>
+      <p:italic r:id="rId31"/>
+      <p:boldItalic r:id="rId32"/>
     </p:embeddedFont>
   </p:embeddedFontLst>
   <p:defaultTextStyle>
@@ -248,7 +251,7 @@
           <a:p>
             <a:fld id="{A3C10D4B-33AC-4721-8A63-0FC446D8020C}" type="datetimeFigureOut">
               <a:rPr lang="ko-KR" altLang="en-US" smtClean="0"/>
-              <a:t>2020-03-17</a:t>
+              <a:t>2020-03-24</a:t>
             </a:fld>
             <a:endParaRPr lang="ko-KR" altLang="en-US"/>
           </a:p>
@@ -683,6 +686,222 @@
 </p:notes>
 </file>
 
+<file path=ppt/notesSlides/notesSlide3.xml><?xml version="1.0" encoding="utf-8"?>
+<p:notes xmlns:a="http://schemas.openxmlformats.org/drawingml/2006/main" xmlns:r="http://schemas.openxmlformats.org/officeDocument/2006/relationships" xmlns:p="http://schemas.openxmlformats.org/presentationml/2006/main">
+  <p:cSld>
+    <p:spTree>
+      <p:nvGrpSpPr>
+        <p:cNvPr id="1" name=""/>
+        <p:cNvGrpSpPr/>
+        <p:nvPr/>
+      </p:nvGrpSpPr>
+      <p:grpSpPr>
+        <a:xfrm>
+          <a:off x="0" y="0"/>
+          <a:ext cx="0" cy="0"/>
+          <a:chOff x="0" y="0"/>
+          <a:chExt cx="0" cy="0"/>
+        </a:xfrm>
+      </p:grpSpPr>
+      <p:sp>
+        <p:nvSpPr>
+          <p:cNvPr id="2" name="슬라이드 이미지 개체 틀 1"/>
+          <p:cNvSpPr>
+            <a:spLocks noGrp="1" noRot="1" noChangeAspect="1"/>
+          </p:cNvSpPr>
+          <p:nvPr>
+            <p:ph type="sldImg"/>
+          </p:nvPr>
+        </p:nvSpPr>
+        <p:spPr/>
+      </p:sp>
+      <p:sp>
+        <p:nvSpPr>
+          <p:cNvPr id="3" name="슬라이드 노트 개체 틀 2"/>
+          <p:cNvSpPr>
+            <a:spLocks noGrp="1"/>
+          </p:cNvSpPr>
+          <p:nvPr>
+            <p:ph type="body" idx="1"/>
+          </p:nvPr>
+        </p:nvSpPr>
+        <p:spPr/>
+        <p:txBody>
+          <a:bodyPr/>
+          <a:lstStyle/>
+          <a:p>
+            <a:r>
+              <a:rPr lang="ko-KR" altLang="en-US" dirty="0" smtClean="0"/>
+              <a:t>방향키 </a:t>
+            </a:r>
+            <a:r>
+              <a:rPr lang="en-US" altLang="ko-KR" dirty="0" smtClean="0"/>
+              <a:t>2</a:t>
+            </a:r>
+            <a:r>
+              <a:rPr lang="ko-KR" altLang="en-US" dirty="0" smtClean="0"/>
+              <a:t>개 생성</a:t>
+            </a:r>
+            <a:r>
+              <a:rPr lang="en-US" altLang="ko-KR" dirty="0" smtClean="0"/>
+              <a:t>: dx1, dy1</a:t>
+            </a:r>
+          </a:p>
+          <a:p>
+            <a:endParaRPr lang="ko-KR" altLang="en-US" dirty="0"/>
+          </a:p>
+        </p:txBody>
+      </p:sp>
+      <p:sp>
+        <p:nvSpPr>
+          <p:cNvPr id="4" name="슬라이드 번호 개체 틀 3"/>
+          <p:cNvSpPr>
+            <a:spLocks noGrp="1"/>
+          </p:cNvSpPr>
+          <p:nvPr>
+            <p:ph type="sldNum" sz="quarter" idx="10"/>
+          </p:nvPr>
+        </p:nvSpPr>
+        <p:spPr/>
+        <p:txBody>
+          <a:bodyPr/>
+          <a:lstStyle/>
+          <a:p>
+            <a:fld id="{1702546F-6BED-4E75-B545-8C85BF2FFF1E}" type="slidenum">
+              <a:rPr lang="ko-KR" altLang="en-US" smtClean="0"/>
+              <a:t>21</a:t>
+            </a:fld>
+            <a:endParaRPr lang="ko-KR" altLang="en-US"/>
+          </a:p>
+        </p:txBody>
+      </p:sp>
+    </p:spTree>
+    <p:extLst>
+      <p:ext uri="{BB962C8B-B14F-4D97-AF65-F5344CB8AC3E}">
+        <p14:creationId xmlns:p14="http://schemas.microsoft.com/office/powerpoint/2010/main" val="4035555465"/>
+      </p:ext>
+    </p:extLst>
+  </p:cSld>
+  <p:clrMapOvr>
+    <a:masterClrMapping/>
+  </p:clrMapOvr>
+</p:notes>
+</file>
+
+<file path=ppt/notesSlides/notesSlide4.xml><?xml version="1.0" encoding="utf-8"?>
+<p:notes xmlns:a="http://schemas.openxmlformats.org/drawingml/2006/main" xmlns:r="http://schemas.openxmlformats.org/officeDocument/2006/relationships" xmlns:p="http://schemas.openxmlformats.org/presentationml/2006/main">
+  <p:cSld>
+    <p:spTree>
+      <p:nvGrpSpPr>
+        <p:cNvPr id="1" name=""/>
+        <p:cNvGrpSpPr/>
+        <p:nvPr/>
+      </p:nvGrpSpPr>
+      <p:grpSpPr>
+        <a:xfrm>
+          <a:off x="0" y="0"/>
+          <a:ext cx="0" cy="0"/>
+          <a:chOff x="0" y="0"/>
+          <a:chExt cx="0" cy="0"/>
+        </a:xfrm>
+      </p:grpSpPr>
+      <p:sp>
+        <p:nvSpPr>
+          <p:cNvPr id="2" name="슬라이드 이미지 개체 틀 1"/>
+          <p:cNvSpPr>
+            <a:spLocks noGrp="1" noRot="1" noChangeAspect="1"/>
+          </p:cNvSpPr>
+          <p:nvPr>
+            <p:ph type="sldImg"/>
+          </p:nvPr>
+        </p:nvSpPr>
+        <p:spPr/>
+      </p:sp>
+      <p:sp>
+        <p:nvSpPr>
+          <p:cNvPr id="3" name="슬라이드 노트 개체 틀 2"/>
+          <p:cNvSpPr>
+            <a:spLocks noGrp="1"/>
+          </p:cNvSpPr>
+          <p:nvPr>
+            <p:ph type="body" idx="1"/>
+          </p:nvPr>
+        </p:nvSpPr>
+        <p:spPr/>
+        <p:txBody>
+          <a:bodyPr/>
+          <a:lstStyle/>
+          <a:p>
+            <a:r>
+              <a:rPr lang="en-US" altLang="ko-KR" dirty="0" smtClean="0"/>
+              <a:t>1. </a:t>
+            </a:r>
+            <a:r>
+              <a:rPr lang="ko-KR" altLang="en-US" dirty="0" smtClean="0"/>
+              <a:t>방향키가 추가되고 공간을 생각해줘야 함</a:t>
+            </a:r>
+            <a:endParaRPr lang="en-US" altLang="ko-KR" dirty="0" smtClean="0"/>
+          </a:p>
+          <a:p>
+            <a:r>
+              <a:rPr lang="en-US" altLang="ko-KR" dirty="0" smtClean="0"/>
+              <a:t>2. </a:t>
+            </a:r>
+            <a:r>
+              <a:rPr lang="ko-KR" altLang="en-US" dirty="0" smtClean="0"/>
+              <a:t>말</a:t>
+            </a:r>
+            <a:r>
+              <a:rPr lang="en-US" altLang="ko-KR" dirty="0" smtClean="0"/>
+              <a:t>, </a:t>
+            </a:r>
+            <a:r>
+              <a:rPr lang="ko-KR" altLang="en-US" dirty="0" smtClean="0"/>
+              <a:t>원숭이 함수를 각각 생성</a:t>
+            </a:r>
+            <a:endParaRPr lang="en-US" altLang="ko-KR" dirty="0" smtClean="0"/>
+          </a:p>
+          <a:p>
+            <a:endParaRPr lang="ko-KR" altLang="en-US" dirty="0"/>
+          </a:p>
+        </p:txBody>
+      </p:sp>
+      <p:sp>
+        <p:nvSpPr>
+          <p:cNvPr id="4" name="슬라이드 번호 개체 틀 3"/>
+          <p:cNvSpPr>
+            <a:spLocks noGrp="1"/>
+          </p:cNvSpPr>
+          <p:nvPr>
+            <p:ph type="sldNum" sz="quarter" idx="10"/>
+          </p:nvPr>
+        </p:nvSpPr>
+        <p:spPr/>
+        <p:txBody>
+          <a:bodyPr/>
+          <a:lstStyle/>
+          <a:p>
+            <a:fld id="{1702546F-6BED-4E75-B545-8C85BF2FFF1E}" type="slidenum">
+              <a:rPr lang="ko-KR" altLang="en-US" smtClean="0"/>
+              <a:t>22</a:t>
+            </a:fld>
+            <a:endParaRPr lang="ko-KR" altLang="en-US"/>
+          </a:p>
+        </p:txBody>
+      </p:sp>
+    </p:spTree>
+    <p:extLst>
+      <p:ext uri="{BB962C8B-B14F-4D97-AF65-F5344CB8AC3E}">
+        <p14:creationId xmlns:p14="http://schemas.microsoft.com/office/powerpoint/2010/main" val="1640466727"/>
+      </p:ext>
+    </p:extLst>
+  </p:cSld>
+  <p:clrMapOvr>
+    <a:masterClrMapping/>
+  </p:clrMapOvr>
+</p:notes>
+</file>
+
 <file path=ppt/slideLayouts/slideLayout1.xml><?xml version="1.0" encoding="utf-8"?>
 <p:sldLayout xmlns:a="http://schemas.openxmlformats.org/drawingml/2006/main" xmlns:r="http://schemas.openxmlformats.org/officeDocument/2006/relationships" xmlns:p="http://schemas.openxmlformats.org/presentationml/2006/main" type="title" preserve="1">
   <p:cSld name="제목 슬라이드">
@@ -862,7 +1081,7 @@
           <a:p>
             <a:fld id="{CE6C5463-94E4-4F09-B4AE-E36819265157}" type="datetimeFigureOut">
               <a:rPr lang="ko-KR" altLang="en-US" smtClean="0"/>
-              <a:t>2020-03-17</a:t>
+              <a:t>2020-03-24</a:t>
             </a:fld>
             <a:endParaRPr lang="ko-KR" altLang="en-US"/>
           </a:p>
@@ -1030,7 +1249,7 @@
           <a:p>
             <a:fld id="{CE6C5463-94E4-4F09-B4AE-E36819265157}" type="datetimeFigureOut">
               <a:rPr lang="ko-KR" altLang="en-US" smtClean="0"/>
-              <a:t>2020-03-17</a:t>
+              <a:t>2020-03-24</a:t>
             </a:fld>
             <a:endParaRPr lang="ko-KR" altLang="en-US"/>
           </a:p>
@@ -1208,7 +1427,7 @@
           <a:p>
             <a:fld id="{CE6C5463-94E4-4F09-B4AE-E36819265157}" type="datetimeFigureOut">
               <a:rPr lang="ko-KR" altLang="en-US" smtClean="0"/>
-              <a:t>2020-03-17</a:t>
+              <a:t>2020-03-24</a:t>
             </a:fld>
             <a:endParaRPr lang="ko-KR" altLang="en-US"/>
           </a:p>
@@ -1376,7 +1595,7 @@
           <a:p>
             <a:fld id="{CE6C5463-94E4-4F09-B4AE-E36819265157}" type="datetimeFigureOut">
               <a:rPr lang="ko-KR" altLang="en-US" smtClean="0"/>
-              <a:t>2020-03-17</a:t>
+              <a:t>2020-03-24</a:t>
             </a:fld>
             <a:endParaRPr lang="ko-KR" altLang="en-US"/>
           </a:p>
@@ -1621,7 +1840,7 @@
           <a:p>
             <a:fld id="{CE6C5463-94E4-4F09-B4AE-E36819265157}" type="datetimeFigureOut">
               <a:rPr lang="ko-KR" altLang="en-US" smtClean="0"/>
-              <a:t>2020-03-17</a:t>
+              <a:t>2020-03-24</a:t>
             </a:fld>
             <a:endParaRPr lang="ko-KR" altLang="en-US"/>
           </a:p>
@@ -1906,7 +2125,7 @@
           <a:p>
             <a:fld id="{CE6C5463-94E4-4F09-B4AE-E36819265157}" type="datetimeFigureOut">
               <a:rPr lang="ko-KR" altLang="en-US" smtClean="0"/>
-              <a:t>2020-03-17</a:t>
+              <a:t>2020-03-24</a:t>
             </a:fld>
             <a:endParaRPr lang="ko-KR" altLang="en-US"/>
           </a:p>
@@ -2330,7 +2549,7 @@
           <a:p>
             <a:fld id="{CE6C5463-94E4-4F09-B4AE-E36819265157}" type="datetimeFigureOut">
               <a:rPr lang="ko-KR" altLang="en-US" smtClean="0"/>
-              <a:t>2020-03-17</a:t>
+              <a:t>2020-03-24</a:t>
             </a:fld>
             <a:endParaRPr lang="ko-KR" altLang="en-US"/>
           </a:p>
@@ -2447,7 +2666,7 @@
           <a:p>
             <a:fld id="{CE6C5463-94E4-4F09-B4AE-E36819265157}" type="datetimeFigureOut">
               <a:rPr lang="ko-KR" altLang="en-US" smtClean="0"/>
-              <a:t>2020-03-17</a:t>
+              <a:t>2020-03-24</a:t>
             </a:fld>
             <a:endParaRPr lang="ko-KR" altLang="en-US"/>
           </a:p>
@@ -2542,7 +2761,7 @@
           <a:p>
             <a:fld id="{CE6C5463-94E4-4F09-B4AE-E36819265157}" type="datetimeFigureOut">
               <a:rPr lang="ko-KR" altLang="en-US" smtClean="0"/>
-              <a:t>2020-03-17</a:t>
+              <a:t>2020-03-24</a:t>
             </a:fld>
             <a:endParaRPr lang="ko-KR" altLang="en-US"/>
           </a:p>
@@ -2817,7 +3036,7 @@
           <a:p>
             <a:fld id="{CE6C5463-94E4-4F09-B4AE-E36819265157}" type="datetimeFigureOut">
               <a:rPr lang="ko-KR" altLang="en-US" smtClean="0"/>
-              <a:t>2020-03-17</a:t>
+              <a:t>2020-03-24</a:t>
             </a:fld>
             <a:endParaRPr lang="ko-KR" altLang="en-US"/>
           </a:p>
@@ -3069,7 +3288,7 @@
           <a:p>
             <a:fld id="{CE6C5463-94E4-4F09-B4AE-E36819265157}" type="datetimeFigureOut">
               <a:rPr lang="ko-KR" altLang="en-US" smtClean="0"/>
-              <a:t>2020-03-17</a:t>
+              <a:t>2020-03-24</a:t>
             </a:fld>
             <a:endParaRPr lang="ko-KR" altLang="en-US"/>
           </a:p>
@@ -3280,7 +3499,7 @@
           <a:p>
             <a:fld id="{CE6C5463-94E4-4F09-B4AE-E36819265157}" type="datetimeFigureOut">
               <a:rPr lang="ko-KR" altLang="en-US" smtClean="0"/>
-              <a:t>2020-03-17</a:t>
+              <a:t>2020-03-24</a:t>
             </a:fld>
             <a:endParaRPr lang="ko-KR" altLang="en-US"/>
           </a:p>
@@ -3804,7 +4023,7 @@
           <p:cNvPr id="14" name="직사각형 13">
             <a:extLst>
               <a:ext uri="{FF2B5EF4-FFF2-40B4-BE49-F238E27FC236}">
-                <a16:creationId xmlns:a16="http://schemas.microsoft.com/office/drawing/2014/main" xmlns="" id="{2AB53A21-40B0-4094-869E-FC2990E3707A}"/>
+                <a16:creationId xmlns="" xmlns:a16="http://schemas.microsoft.com/office/drawing/2014/main" id="{2AB53A21-40B0-4094-869E-FC2990E3707A}"/>
               </a:ext>
             </a:extLst>
           </p:cNvPr>
@@ -3858,7 +4077,7 @@
           <p:cNvPr id="15" name="직사각형 14">
             <a:extLst>
               <a:ext uri="{FF2B5EF4-FFF2-40B4-BE49-F238E27FC236}">
-                <a16:creationId xmlns:a16="http://schemas.microsoft.com/office/drawing/2014/main" xmlns="" id="{6D52DA3A-DD56-4D69-8EFE-7D07621C6286}"/>
+                <a16:creationId xmlns="" xmlns:a16="http://schemas.microsoft.com/office/drawing/2014/main" id="{6D52DA3A-DD56-4D69-8EFE-7D07621C6286}"/>
               </a:ext>
             </a:extLst>
           </p:cNvPr>
@@ -3912,7 +4131,7 @@
           <p:cNvPr id="2" name="직사각형 1">
             <a:extLst>
               <a:ext uri="{FF2B5EF4-FFF2-40B4-BE49-F238E27FC236}">
-                <a16:creationId xmlns:a16="http://schemas.microsoft.com/office/drawing/2014/main" xmlns="" id="{0CD0F062-16B7-4874-9517-26F9119AC11F}"/>
+                <a16:creationId xmlns="" xmlns:a16="http://schemas.microsoft.com/office/drawing/2014/main" id="{0CD0F062-16B7-4874-9517-26F9119AC11F}"/>
               </a:ext>
             </a:extLst>
           </p:cNvPr>
@@ -4365,7 +4584,7 @@
           <p:cNvPr id="9" name="그룹 8">
             <a:extLst>
               <a:ext uri="{FF2B5EF4-FFF2-40B4-BE49-F238E27FC236}">
-                <a16:creationId xmlns:a16="http://schemas.microsoft.com/office/drawing/2014/main" xmlns="" id="{37390E3E-ED14-4091-B7CC-F0079018BE0B}"/>
+                <a16:creationId xmlns="" xmlns:a16="http://schemas.microsoft.com/office/drawing/2014/main" id="{37390E3E-ED14-4091-B7CC-F0079018BE0B}"/>
               </a:ext>
             </a:extLst>
           </p:cNvPr>
@@ -4385,7 +4604,7 @@
             <p:cNvPr id="10" name="직사각형 9">
               <a:extLst>
                 <a:ext uri="{FF2B5EF4-FFF2-40B4-BE49-F238E27FC236}">
-                  <a16:creationId xmlns:a16="http://schemas.microsoft.com/office/drawing/2014/main" xmlns="" id="{84956FAA-62DC-47AA-9B75-BA0A5DCECF38}"/>
+                  <a16:creationId xmlns="" xmlns:a16="http://schemas.microsoft.com/office/drawing/2014/main" id="{84956FAA-62DC-47AA-9B75-BA0A5DCECF38}"/>
                 </a:ext>
               </a:extLst>
             </p:cNvPr>
@@ -4439,7 +4658,7 @@
             <p:cNvPr id="11" name="직사각형 10">
               <a:extLst>
                 <a:ext uri="{FF2B5EF4-FFF2-40B4-BE49-F238E27FC236}">
-                  <a16:creationId xmlns:a16="http://schemas.microsoft.com/office/drawing/2014/main" xmlns="" id="{E9E09E51-CAE7-453C-A0CB-92E385D9C63F}"/>
+                  <a16:creationId xmlns="" xmlns:a16="http://schemas.microsoft.com/office/drawing/2014/main" id="{E9E09E51-CAE7-453C-A0CB-92E385D9C63F}"/>
                 </a:ext>
               </a:extLst>
             </p:cNvPr>
@@ -4514,7 +4733,7 @@
             <p:cNvPr id="13" name="직사각형 12">
               <a:extLst>
                 <a:ext uri="{FF2B5EF4-FFF2-40B4-BE49-F238E27FC236}">
-                  <a16:creationId xmlns:a16="http://schemas.microsoft.com/office/drawing/2014/main" xmlns="" id="{3FE672DB-C66C-426E-98F5-0A6D539F5960}"/>
+                  <a16:creationId xmlns="" xmlns:a16="http://schemas.microsoft.com/office/drawing/2014/main" id="{3FE672DB-C66C-426E-98F5-0A6D539F5960}"/>
                 </a:ext>
               </a:extLst>
             </p:cNvPr>
@@ -5396,7 +5615,7 @@
           <p:cNvPr id="3" name="그룹 2">
             <a:extLst>
               <a:ext uri="{FF2B5EF4-FFF2-40B4-BE49-F238E27FC236}">
-                <a16:creationId xmlns:a16="http://schemas.microsoft.com/office/drawing/2014/main" xmlns="" id="{D41E3857-645A-41BE-BDDE-9D1D5AE11D1A}"/>
+                <a16:creationId xmlns="" xmlns:a16="http://schemas.microsoft.com/office/drawing/2014/main" id="{D41E3857-645A-41BE-BDDE-9D1D5AE11D1A}"/>
               </a:ext>
             </a:extLst>
           </p:cNvPr>
@@ -5416,7 +5635,7 @@
             <p:cNvPr id="16" name="타원 15">
               <a:extLst>
                 <a:ext uri="{FF2B5EF4-FFF2-40B4-BE49-F238E27FC236}">
-                  <a16:creationId xmlns:a16="http://schemas.microsoft.com/office/drawing/2014/main" xmlns="" id="{82C99221-6B1A-4D9F-8D8E-AA7947CE26FB}"/>
+                  <a16:creationId xmlns="" xmlns:a16="http://schemas.microsoft.com/office/drawing/2014/main" id="{82C99221-6B1A-4D9F-8D8E-AA7947CE26FB}"/>
                 </a:ext>
               </a:extLst>
             </p:cNvPr>
@@ -5495,7 +5714,7 @@
             <p:cNvPr id="18" name="직선 연결선 17">
               <a:extLst>
                 <a:ext uri="{FF2B5EF4-FFF2-40B4-BE49-F238E27FC236}">
-                  <a16:creationId xmlns:a16="http://schemas.microsoft.com/office/drawing/2014/main" xmlns="" id="{A1E3A3FD-4536-4DBF-998B-05F9619386DA}"/>
+                  <a16:creationId xmlns="" xmlns:a16="http://schemas.microsoft.com/office/drawing/2014/main" id="{A1E3A3FD-4536-4DBF-998B-05F9619386DA}"/>
                 </a:ext>
               </a:extLst>
             </p:cNvPr>
@@ -5536,7 +5755,7 @@
             <p:cNvPr id="21" name="타원 20">
               <a:extLst>
                 <a:ext uri="{FF2B5EF4-FFF2-40B4-BE49-F238E27FC236}">
-                  <a16:creationId xmlns:a16="http://schemas.microsoft.com/office/drawing/2014/main" xmlns="" id="{8341E668-9523-4C4A-81EE-E3F790F43805}"/>
+                  <a16:creationId xmlns="" xmlns:a16="http://schemas.microsoft.com/office/drawing/2014/main" id="{8341E668-9523-4C4A-81EE-E3F790F43805}"/>
                 </a:ext>
               </a:extLst>
             </p:cNvPr>
@@ -5615,7 +5834,7 @@
             <p:cNvPr id="25" name="직선 연결선 24">
               <a:extLst>
                 <a:ext uri="{FF2B5EF4-FFF2-40B4-BE49-F238E27FC236}">
-                  <a16:creationId xmlns:a16="http://schemas.microsoft.com/office/drawing/2014/main" xmlns="" id="{ED9C352A-4895-48C1-B4DD-7828A9B48CF4}"/>
+                  <a16:creationId xmlns="" xmlns:a16="http://schemas.microsoft.com/office/drawing/2014/main" id="{ED9C352A-4895-48C1-B4DD-7828A9B48CF4}"/>
                 </a:ext>
               </a:extLst>
             </p:cNvPr>
@@ -5656,7 +5875,7 @@
             <p:cNvPr id="27" name="타원 26">
               <a:extLst>
                 <a:ext uri="{FF2B5EF4-FFF2-40B4-BE49-F238E27FC236}">
-                  <a16:creationId xmlns:a16="http://schemas.microsoft.com/office/drawing/2014/main" xmlns="" id="{EF21B3C6-3540-446A-94D7-9FE0E9EB23C1}"/>
+                  <a16:creationId xmlns="" xmlns:a16="http://schemas.microsoft.com/office/drawing/2014/main" id="{EF21B3C6-3540-446A-94D7-9FE0E9EB23C1}"/>
                 </a:ext>
               </a:extLst>
             </p:cNvPr>
@@ -5736,7 +5955,7 @@
           <p:cNvPr id="32" name="TextBox 31">
             <a:extLst>
               <a:ext uri="{FF2B5EF4-FFF2-40B4-BE49-F238E27FC236}">
-                <a16:creationId xmlns:a16="http://schemas.microsoft.com/office/drawing/2014/main" xmlns="" id="{1BEADE4F-EBCF-485D-A3A1-7832673A3ECC}"/>
+                <a16:creationId xmlns="" xmlns:a16="http://schemas.microsoft.com/office/drawing/2014/main" id="{1BEADE4F-EBCF-485D-A3A1-7832673A3ECC}"/>
               </a:ext>
             </a:extLst>
           </p:cNvPr>
@@ -5780,7 +5999,7 @@
           <p:cNvPr id="35" name="TextBox 34">
             <a:extLst>
               <a:ext uri="{FF2B5EF4-FFF2-40B4-BE49-F238E27FC236}">
-                <a16:creationId xmlns:a16="http://schemas.microsoft.com/office/drawing/2014/main" xmlns="" id="{89EC74A7-4496-4A9C-8307-FB322DE10B2B}"/>
+                <a16:creationId xmlns="" xmlns:a16="http://schemas.microsoft.com/office/drawing/2014/main" id="{89EC74A7-4496-4A9C-8307-FB322DE10B2B}"/>
               </a:ext>
             </a:extLst>
           </p:cNvPr>
@@ -5824,7 +6043,7 @@
           <p:cNvPr id="36" name="TextBox 35">
             <a:extLst>
               <a:ext uri="{FF2B5EF4-FFF2-40B4-BE49-F238E27FC236}">
-                <a16:creationId xmlns:a16="http://schemas.microsoft.com/office/drawing/2014/main" xmlns="" id="{78C85534-4FEA-499A-93A5-43244104FB53}"/>
+                <a16:creationId xmlns="" xmlns:a16="http://schemas.microsoft.com/office/drawing/2014/main" id="{78C85534-4FEA-499A-93A5-43244104FB53}"/>
               </a:ext>
             </a:extLst>
           </p:cNvPr>
@@ -5868,7 +6087,7 @@
           <p:cNvPr id="37" name="TextBox 36">
             <a:extLst>
               <a:ext uri="{FF2B5EF4-FFF2-40B4-BE49-F238E27FC236}">
-                <a16:creationId xmlns:a16="http://schemas.microsoft.com/office/drawing/2014/main" xmlns="" id="{01C8F4B9-E404-43AD-9185-B298254C1456}"/>
+                <a16:creationId xmlns="" xmlns:a16="http://schemas.microsoft.com/office/drawing/2014/main" id="{01C8F4B9-E404-43AD-9185-B298254C1456}"/>
               </a:ext>
             </a:extLst>
           </p:cNvPr>
@@ -5912,7 +6131,7 @@
           <p:cNvPr id="38" name="TextBox 37">
             <a:extLst>
               <a:ext uri="{FF2B5EF4-FFF2-40B4-BE49-F238E27FC236}">
-                <a16:creationId xmlns:a16="http://schemas.microsoft.com/office/drawing/2014/main" xmlns="" id="{4341B58E-4C63-4561-A7D9-134F7B22F76D}"/>
+                <a16:creationId xmlns="" xmlns:a16="http://schemas.microsoft.com/office/drawing/2014/main" id="{4341B58E-4C63-4561-A7D9-134F7B22F76D}"/>
               </a:ext>
             </a:extLst>
           </p:cNvPr>
@@ -5956,7 +6175,7 @@
           <p:cNvPr id="40" name="TextBox 39">
             <a:extLst>
               <a:ext uri="{FF2B5EF4-FFF2-40B4-BE49-F238E27FC236}">
-                <a16:creationId xmlns:a16="http://schemas.microsoft.com/office/drawing/2014/main" xmlns="" id="{2F981F27-7180-4E4F-9D69-C7C708FDA8CF}"/>
+                <a16:creationId xmlns="" xmlns:a16="http://schemas.microsoft.com/office/drawing/2014/main" id="{2F981F27-7180-4E4F-9D69-C7C708FDA8CF}"/>
               </a:ext>
             </a:extLst>
           </p:cNvPr>
@@ -6000,7 +6219,7 @@
           <p:cNvPr id="41" name="TextBox 40">
             <a:extLst>
               <a:ext uri="{FF2B5EF4-FFF2-40B4-BE49-F238E27FC236}">
-                <a16:creationId xmlns:a16="http://schemas.microsoft.com/office/drawing/2014/main" xmlns="" id="{D9DED344-07EB-49F0-829E-43A2A5C53589}"/>
+                <a16:creationId xmlns="" xmlns:a16="http://schemas.microsoft.com/office/drawing/2014/main" id="{D9DED344-07EB-49F0-829E-43A2A5C53589}"/>
               </a:ext>
             </a:extLst>
           </p:cNvPr>
@@ -6044,7 +6263,7 @@
           <p:cNvPr id="42" name="TextBox 41">
             <a:extLst>
               <a:ext uri="{FF2B5EF4-FFF2-40B4-BE49-F238E27FC236}">
-                <a16:creationId xmlns:a16="http://schemas.microsoft.com/office/drawing/2014/main" xmlns="" id="{42F3EEC3-D6D1-40EB-A61A-63A620CC9D27}"/>
+                <a16:creationId xmlns="" xmlns:a16="http://schemas.microsoft.com/office/drawing/2014/main" id="{42F3EEC3-D6D1-40EB-A61A-63A620CC9D27}"/>
               </a:ext>
             </a:extLst>
           </p:cNvPr>
@@ -6088,7 +6307,7 @@
           <p:cNvPr id="43" name="TextBox 42">
             <a:extLst>
               <a:ext uri="{FF2B5EF4-FFF2-40B4-BE49-F238E27FC236}">
-                <a16:creationId xmlns:a16="http://schemas.microsoft.com/office/drawing/2014/main" xmlns="" id="{CF2CE3A3-D6FF-4604-8C38-D8C4E8340AFA}"/>
+                <a16:creationId xmlns="" xmlns:a16="http://schemas.microsoft.com/office/drawing/2014/main" id="{CF2CE3A3-D6FF-4604-8C38-D8C4E8340AFA}"/>
               </a:ext>
             </a:extLst>
           </p:cNvPr>
@@ -6132,7 +6351,7 @@
           <p:cNvPr id="33" name="타원 32">
             <a:extLst>
               <a:ext uri="{FF2B5EF4-FFF2-40B4-BE49-F238E27FC236}">
-                <a16:creationId xmlns:a16="http://schemas.microsoft.com/office/drawing/2014/main" xmlns="" id="{8A5721FA-75E1-4820-A10E-518C50659234}"/>
+                <a16:creationId xmlns="" xmlns:a16="http://schemas.microsoft.com/office/drawing/2014/main" id="{8A5721FA-75E1-4820-A10E-518C50659234}"/>
               </a:ext>
             </a:extLst>
           </p:cNvPr>
@@ -6184,7 +6403,7 @@
           <p:cNvPr id="46" name="타원 45">
             <a:extLst>
               <a:ext uri="{FF2B5EF4-FFF2-40B4-BE49-F238E27FC236}">
-                <a16:creationId xmlns:a16="http://schemas.microsoft.com/office/drawing/2014/main" xmlns="" id="{5730A084-CE18-4CBC-9065-8EF35CCE1693}"/>
+                <a16:creationId xmlns="" xmlns:a16="http://schemas.microsoft.com/office/drawing/2014/main" id="{5730A084-CE18-4CBC-9065-8EF35CCE1693}"/>
               </a:ext>
             </a:extLst>
           </p:cNvPr>
@@ -6266,7 +6485,7 @@
           <p:cNvPr id="14" name="직사각형 13">
             <a:extLst>
               <a:ext uri="{FF2B5EF4-FFF2-40B4-BE49-F238E27FC236}">
-                <a16:creationId xmlns:a16="http://schemas.microsoft.com/office/drawing/2014/main" xmlns="" id="{2AB53A21-40B0-4094-869E-FC2990E3707A}"/>
+                <a16:creationId xmlns="" xmlns:a16="http://schemas.microsoft.com/office/drawing/2014/main" id="{2AB53A21-40B0-4094-869E-FC2990E3707A}"/>
               </a:ext>
             </a:extLst>
           </p:cNvPr>
@@ -6320,7 +6539,7 @@
           <p:cNvPr id="15" name="직사각형 14">
             <a:extLst>
               <a:ext uri="{FF2B5EF4-FFF2-40B4-BE49-F238E27FC236}">
-                <a16:creationId xmlns:a16="http://schemas.microsoft.com/office/drawing/2014/main" xmlns="" id="{6D52DA3A-DD56-4D69-8EFE-7D07621C6286}"/>
+                <a16:creationId xmlns="" xmlns:a16="http://schemas.microsoft.com/office/drawing/2014/main" id="{6D52DA3A-DD56-4D69-8EFE-7D07621C6286}"/>
               </a:ext>
             </a:extLst>
           </p:cNvPr>
@@ -6374,7 +6593,7 @@
           <p:cNvPr id="2" name="직사각형 1">
             <a:extLst>
               <a:ext uri="{FF2B5EF4-FFF2-40B4-BE49-F238E27FC236}">
-                <a16:creationId xmlns:a16="http://schemas.microsoft.com/office/drawing/2014/main" xmlns="" id="{0CD0F062-16B7-4874-9517-26F9119AC11F}"/>
+                <a16:creationId xmlns="" xmlns:a16="http://schemas.microsoft.com/office/drawing/2014/main" id="{0CD0F062-16B7-4874-9517-26F9119AC11F}"/>
               </a:ext>
             </a:extLst>
           </p:cNvPr>
@@ -6827,7 +7046,7 @@
           <p:cNvPr id="9" name="그룹 8">
             <a:extLst>
               <a:ext uri="{FF2B5EF4-FFF2-40B4-BE49-F238E27FC236}">
-                <a16:creationId xmlns:a16="http://schemas.microsoft.com/office/drawing/2014/main" xmlns="" id="{37390E3E-ED14-4091-B7CC-F0079018BE0B}"/>
+                <a16:creationId xmlns="" xmlns:a16="http://schemas.microsoft.com/office/drawing/2014/main" id="{37390E3E-ED14-4091-B7CC-F0079018BE0B}"/>
               </a:ext>
             </a:extLst>
           </p:cNvPr>
@@ -6847,7 +7066,7 @@
             <p:cNvPr id="10" name="직사각형 9">
               <a:extLst>
                 <a:ext uri="{FF2B5EF4-FFF2-40B4-BE49-F238E27FC236}">
-                  <a16:creationId xmlns:a16="http://schemas.microsoft.com/office/drawing/2014/main" xmlns="" id="{84956FAA-62DC-47AA-9B75-BA0A5DCECF38}"/>
+                  <a16:creationId xmlns="" xmlns:a16="http://schemas.microsoft.com/office/drawing/2014/main" id="{84956FAA-62DC-47AA-9B75-BA0A5DCECF38}"/>
                 </a:ext>
               </a:extLst>
             </p:cNvPr>
@@ -6901,7 +7120,7 @@
             <p:cNvPr id="11" name="직사각형 10">
               <a:extLst>
                 <a:ext uri="{FF2B5EF4-FFF2-40B4-BE49-F238E27FC236}">
-                  <a16:creationId xmlns:a16="http://schemas.microsoft.com/office/drawing/2014/main" xmlns="" id="{E9E09E51-CAE7-453C-A0CB-92E385D9C63F}"/>
+                  <a16:creationId xmlns="" xmlns:a16="http://schemas.microsoft.com/office/drawing/2014/main" id="{E9E09E51-CAE7-453C-A0CB-92E385D9C63F}"/>
                 </a:ext>
               </a:extLst>
             </p:cNvPr>
@@ -6976,7 +7195,7 @@
             <p:cNvPr id="13" name="직사각형 12">
               <a:extLst>
                 <a:ext uri="{FF2B5EF4-FFF2-40B4-BE49-F238E27FC236}">
-                  <a16:creationId xmlns:a16="http://schemas.microsoft.com/office/drawing/2014/main" xmlns="" id="{3FE672DB-C66C-426E-98F5-0A6D539F5960}"/>
+                  <a16:creationId xmlns="" xmlns:a16="http://schemas.microsoft.com/office/drawing/2014/main" id="{3FE672DB-C66C-426E-98F5-0A6D539F5960}"/>
                 </a:ext>
               </a:extLst>
             </p:cNvPr>
@@ -7858,7 +8077,7 @@
           <p:cNvPr id="3" name="그룹 2">
             <a:extLst>
               <a:ext uri="{FF2B5EF4-FFF2-40B4-BE49-F238E27FC236}">
-                <a16:creationId xmlns:a16="http://schemas.microsoft.com/office/drawing/2014/main" xmlns="" id="{D41E3857-645A-41BE-BDDE-9D1D5AE11D1A}"/>
+                <a16:creationId xmlns="" xmlns:a16="http://schemas.microsoft.com/office/drawing/2014/main" id="{D41E3857-645A-41BE-BDDE-9D1D5AE11D1A}"/>
               </a:ext>
             </a:extLst>
           </p:cNvPr>
@@ -7878,7 +8097,7 @@
             <p:cNvPr id="16" name="타원 15">
               <a:extLst>
                 <a:ext uri="{FF2B5EF4-FFF2-40B4-BE49-F238E27FC236}">
-                  <a16:creationId xmlns:a16="http://schemas.microsoft.com/office/drawing/2014/main" xmlns="" id="{82C99221-6B1A-4D9F-8D8E-AA7947CE26FB}"/>
+                  <a16:creationId xmlns="" xmlns:a16="http://schemas.microsoft.com/office/drawing/2014/main" id="{82C99221-6B1A-4D9F-8D8E-AA7947CE26FB}"/>
                 </a:ext>
               </a:extLst>
             </p:cNvPr>
@@ -7957,7 +8176,7 @@
             <p:cNvPr id="18" name="직선 연결선 17">
               <a:extLst>
                 <a:ext uri="{FF2B5EF4-FFF2-40B4-BE49-F238E27FC236}">
-                  <a16:creationId xmlns:a16="http://schemas.microsoft.com/office/drawing/2014/main" xmlns="" id="{A1E3A3FD-4536-4DBF-998B-05F9619386DA}"/>
+                  <a16:creationId xmlns="" xmlns:a16="http://schemas.microsoft.com/office/drawing/2014/main" id="{A1E3A3FD-4536-4DBF-998B-05F9619386DA}"/>
                 </a:ext>
               </a:extLst>
             </p:cNvPr>
@@ -7998,7 +8217,7 @@
             <p:cNvPr id="21" name="타원 20">
               <a:extLst>
                 <a:ext uri="{FF2B5EF4-FFF2-40B4-BE49-F238E27FC236}">
-                  <a16:creationId xmlns:a16="http://schemas.microsoft.com/office/drawing/2014/main" xmlns="" id="{8341E668-9523-4C4A-81EE-E3F790F43805}"/>
+                  <a16:creationId xmlns="" xmlns:a16="http://schemas.microsoft.com/office/drawing/2014/main" id="{8341E668-9523-4C4A-81EE-E3F790F43805}"/>
                 </a:ext>
               </a:extLst>
             </p:cNvPr>
@@ -8077,7 +8296,7 @@
             <p:cNvPr id="25" name="직선 연결선 24">
               <a:extLst>
                 <a:ext uri="{FF2B5EF4-FFF2-40B4-BE49-F238E27FC236}">
-                  <a16:creationId xmlns:a16="http://schemas.microsoft.com/office/drawing/2014/main" xmlns="" id="{ED9C352A-4895-48C1-B4DD-7828A9B48CF4}"/>
+                  <a16:creationId xmlns="" xmlns:a16="http://schemas.microsoft.com/office/drawing/2014/main" id="{ED9C352A-4895-48C1-B4DD-7828A9B48CF4}"/>
                 </a:ext>
               </a:extLst>
             </p:cNvPr>
@@ -8118,7 +8337,7 @@
             <p:cNvPr id="27" name="타원 26">
               <a:extLst>
                 <a:ext uri="{FF2B5EF4-FFF2-40B4-BE49-F238E27FC236}">
-                  <a16:creationId xmlns:a16="http://schemas.microsoft.com/office/drawing/2014/main" xmlns="" id="{EF21B3C6-3540-446A-94D7-9FE0E9EB23C1}"/>
+                  <a16:creationId xmlns="" xmlns:a16="http://schemas.microsoft.com/office/drawing/2014/main" id="{EF21B3C6-3540-446A-94D7-9FE0E9EB23C1}"/>
                 </a:ext>
               </a:extLst>
             </p:cNvPr>
@@ -8198,7 +8417,7 @@
           <p:cNvPr id="38" name="TextBox 37">
             <a:extLst>
               <a:ext uri="{FF2B5EF4-FFF2-40B4-BE49-F238E27FC236}">
-                <a16:creationId xmlns:a16="http://schemas.microsoft.com/office/drawing/2014/main" xmlns="" id="{4341B58E-4C63-4561-A7D9-134F7B22F76D}"/>
+                <a16:creationId xmlns="" xmlns:a16="http://schemas.microsoft.com/office/drawing/2014/main" id="{4341B58E-4C63-4561-A7D9-134F7B22F76D}"/>
               </a:ext>
             </a:extLst>
           </p:cNvPr>
@@ -8242,7 +8461,7 @@
           <p:cNvPr id="40" name="TextBox 39">
             <a:extLst>
               <a:ext uri="{FF2B5EF4-FFF2-40B4-BE49-F238E27FC236}">
-                <a16:creationId xmlns:a16="http://schemas.microsoft.com/office/drawing/2014/main" xmlns="" id="{2F981F27-7180-4E4F-9D69-C7C708FDA8CF}"/>
+                <a16:creationId xmlns="" xmlns:a16="http://schemas.microsoft.com/office/drawing/2014/main" id="{2F981F27-7180-4E4F-9D69-C7C708FDA8CF}"/>
               </a:ext>
             </a:extLst>
           </p:cNvPr>
@@ -8286,7 +8505,7 @@
           <p:cNvPr id="33" name="타원 32">
             <a:extLst>
               <a:ext uri="{FF2B5EF4-FFF2-40B4-BE49-F238E27FC236}">
-                <a16:creationId xmlns:a16="http://schemas.microsoft.com/office/drawing/2014/main" xmlns="" id="{DFC6217D-DFB4-48C3-802E-1919B1586DEB}"/>
+                <a16:creationId xmlns="" xmlns:a16="http://schemas.microsoft.com/office/drawing/2014/main" id="{DFC6217D-DFB4-48C3-802E-1919B1586DEB}"/>
               </a:ext>
             </a:extLst>
           </p:cNvPr>
@@ -8338,7 +8557,7 @@
           <p:cNvPr id="34" name="타원 33">
             <a:extLst>
               <a:ext uri="{FF2B5EF4-FFF2-40B4-BE49-F238E27FC236}">
-                <a16:creationId xmlns:a16="http://schemas.microsoft.com/office/drawing/2014/main" xmlns="" id="{65882F2B-6E92-4E12-A7F5-8C32E389DF0C}"/>
+                <a16:creationId xmlns="" xmlns:a16="http://schemas.microsoft.com/office/drawing/2014/main" id="{65882F2B-6E92-4E12-A7F5-8C32E389DF0C}"/>
               </a:ext>
             </a:extLst>
           </p:cNvPr>
@@ -8390,7 +8609,7 @@
           <p:cNvPr id="42" name="TextBox 41">
             <a:extLst>
               <a:ext uri="{FF2B5EF4-FFF2-40B4-BE49-F238E27FC236}">
-                <a16:creationId xmlns:a16="http://schemas.microsoft.com/office/drawing/2014/main" xmlns="" id="{97ECE89A-1307-496A-B349-12F3F5EC7D53}"/>
+                <a16:creationId xmlns="" xmlns:a16="http://schemas.microsoft.com/office/drawing/2014/main" id="{97ECE89A-1307-496A-B349-12F3F5EC7D53}"/>
               </a:ext>
             </a:extLst>
           </p:cNvPr>
@@ -8434,7 +8653,7 @@
           <p:cNvPr id="43" name="TextBox 42">
             <a:extLst>
               <a:ext uri="{FF2B5EF4-FFF2-40B4-BE49-F238E27FC236}">
-                <a16:creationId xmlns:a16="http://schemas.microsoft.com/office/drawing/2014/main" xmlns="" id="{77FA03CF-84D1-4D4E-95E5-D70773D7B8C8}"/>
+                <a16:creationId xmlns="" xmlns:a16="http://schemas.microsoft.com/office/drawing/2014/main" id="{77FA03CF-84D1-4D4E-95E5-D70773D7B8C8}"/>
               </a:ext>
             </a:extLst>
           </p:cNvPr>
@@ -8478,7 +8697,7 @@
           <p:cNvPr id="44" name="TextBox 43">
             <a:extLst>
               <a:ext uri="{FF2B5EF4-FFF2-40B4-BE49-F238E27FC236}">
-                <a16:creationId xmlns:a16="http://schemas.microsoft.com/office/drawing/2014/main" xmlns="" id="{E6A33185-1C61-4E1F-A62C-6FF5CFC01A7F}"/>
+                <a16:creationId xmlns="" xmlns:a16="http://schemas.microsoft.com/office/drawing/2014/main" id="{E6A33185-1C61-4E1F-A62C-6FF5CFC01A7F}"/>
               </a:ext>
             </a:extLst>
           </p:cNvPr>
@@ -11047,63 +11266,63 @@
                 <a:gridCol w="1038406">
                   <a:extLst>
                     <a:ext uri="{9D8B030D-6E8A-4147-A177-3AD203B41FA5}">
-                      <a16:colId xmlns:a16="http://schemas.microsoft.com/office/drawing/2014/main" xmlns="" val="20000"/>
+                      <a16:colId xmlns="" xmlns:a16="http://schemas.microsoft.com/office/drawing/2014/main" val="20000"/>
                     </a:ext>
                   </a:extLst>
                 </a:gridCol>
                 <a:gridCol w="468000">
                   <a:extLst>
                     <a:ext uri="{9D8B030D-6E8A-4147-A177-3AD203B41FA5}">
-                      <a16:colId xmlns:a16="http://schemas.microsoft.com/office/drawing/2014/main" xmlns="" val="20001"/>
+                      <a16:colId xmlns="" xmlns:a16="http://schemas.microsoft.com/office/drawing/2014/main" val="20001"/>
                     </a:ext>
                   </a:extLst>
                 </a:gridCol>
                 <a:gridCol w="468000">
                   <a:extLst>
                     <a:ext uri="{9D8B030D-6E8A-4147-A177-3AD203B41FA5}">
-                      <a16:colId xmlns:a16="http://schemas.microsoft.com/office/drawing/2014/main" xmlns="" val="20002"/>
+                      <a16:colId xmlns="" xmlns:a16="http://schemas.microsoft.com/office/drawing/2014/main" val="20002"/>
                     </a:ext>
                   </a:extLst>
                 </a:gridCol>
                 <a:gridCol w="468000">
                   <a:extLst>
                     <a:ext uri="{9D8B030D-6E8A-4147-A177-3AD203B41FA5}">
-                      <a16:colId xmlns:a16="http://schemas.microsoft.com/office/drawing/2014/main" xmlns="" val="20003"/>
+                      <a16:colId xmlns="" xmlns:a16="http://schemas.microsoft.com/office/drawing/2014/main" val="20003"/>
                     </a:ext>
                   </a:extLst>
                 </a:gridCol>
                 <a:gridCol w="468000">
                   <a:extLst>
                     <a:ext uri="{9D8B030D-6E8A-4147-A177-3AD203B41FA5}">
-                      <a16:colId xmlns:a16="http://schemas.microsoft.com/office/drawing/2014/main" xmlns="" val="20004"/>
+                      <a16:colId xmlns="" xmlns:a16="http://schemas.microsoft.com/office/drawing/2014/main" val="20004"/>
                     </a:ext>
                   </a:extLst>
                 </a:gridCol>
                 <a:gridCol w="468000">
                   <a:extLst>
                     <a:ext uri="{9D8B030D-6E8A-4147-A177-3AD203B41FA5}">
-                      <a16:colId xmlns:a16="http://schemas.microsoft.com/office/drawing/2014/main" xmlns="" val="20005"/>
+                      <a16:colId xmlns="" xmlns:a16="http://schemas.microsoft.com/office/drawing/2014/main" val="20005"/>
                     </a:ext>
                   </a:extLst>
                 </a:gridCol>
                 <a:gridCol w="468000">
                   <a:extLst>
                     <a:ext uri="{9D8B030D-6E8A-4147-A177-3AD203B41FA5}">
-                      <a16:colId xmlns:a16="http://schemas.microsoft.com/office/drawing/2014/main" xmlns="" val="20006"/>
+                      <a16:colId xmlns="" xmlns:a16="http://schemas.microsoft.com/office/drawing/2014/main" val="20006"/>
                     </a:ext>
                   </a:extLst>
                 </a:gridCol>
                 <a:gridCol w="468000">
                   <a:extLst>
                     <a:ext uri="{9D8B030D-6E8A-4147-A177-3AD203B41FA5}">
-                      <a16:colId xmlns:a16="http://schemas.microsoft.com/office/drawing/2014/main" xmlns="" val="20007"/>
+                      <a16:colId xmlns="" xmlns:a16="http://schemas.microsoft.com/office/drawing/2014/main" val="20007"/>
                     </a:ext>
                   </a:extLst>
                 </a:gridCol>
                 <a:gridCol w="468000">
                   <a:extLst>
                     <a:ext uri="{9D8B030D-6E8A-4147-A177-3AD203B41FA5}">
-                      <a16:colId xmlns:a16="http://schemas.microsoft.com/office/drawing/2014/main" xmlns="" val="20008"/>
+                      <a16:colId xmlns="" xmlns:a16="http://schemas.microsoft.com/office/drawing/2014/main" val="20008"/>
                     </a:ext>
                   </a:extLst>
                 </a:gridCol>
@@ -11248,7 +11467,7 @@
                 </a:tc>
                 <a:extLst>
                   <a:ext uri="{0D108BD9-81ED-4DB2-BD59-A6C34878D82A}">
-                    <a16:rowId xmlns:a16="http://schemas.microsoft.com/office/drawing/2014/main" xmlns="" val="10000"/>
+                    <a16:rowId xmlns="" xmlns:a16="http://schemas.microsoft.com/office/drawing/2014/main" val="10000"/>
                   </a:ext>
                 </a:extLst>
               </a:tr>
@@ -11392,7 +11611,7 @@
                 </a:tc>
                 <a:extLst>
                   <a:ext uri="{0D108BD9-81ED-4DB2-BD59-A6C34878D82A}">
-                    <a16:rowId xmlns:a16="http://schemas.microsoft.com/office/drawing/2014/main" xmlns="" val="10001"/>
+                    <a16:rowId xmlns="" xmlns:a16="http://schemas.microsoft.com/office/drawing/2014/main" val="10001"/>
                   </a:ext>
                 </a:extLst>
               </a:tr>
@@ -11531,7 +11750,7 @@
                 </a:tc>
                 <a:extLst>
                   <a:ext uri="{0D108BD9-81ED-4DB2-BD59-A6C34878D82A}">
-                    <a16:rowId xmlns:a16="http://schemas.microsoft.com/office/drawing/2014/main" xmlns="" val="10002"/>
+                    <a16:rowId xmlns="" xmlns:a16="http://schemas.microsoft.com/office/drawing/2014/main" val="10002"/>
                   </a:ext>
                 </a:extLst>
               </a:tr>
@@ -11670,7 +11889,7 @@
                 </a:tc>
                 <a:extLst>
                   <a:ext uri="{0D108BD9-81ED-4DB2-BD59-A6C34878D82A}">
-                    <a16:rowId xmlns:a16="http://schemas.microsoft.com/office/drawing/2014/main" xmlns="" val="10003"/>
+                    <a16:rowId xmlns="" xmlns:a16="http://schemas.microsoft.com/office/drawing/2014/main" val="10003"/>
                   </a:ext>
                 </a:extLst>
               </a:tr>
@@ -12680,7 +12899,7 @@
           <p:cNvPr id="3" name="TextBox 2">
             <a:extLst>
               <a:ext uri="{FF2B5EF4-FFF2-40B4-BE49-F238E27FC236}">
-                <a16:creationId xmlns:a16="http://schemas.microsoft.com/office/drawing/2014/main" xmlns="" id="{55891AF8-79CF-4F47-B8E3-82FB6AC0FD6F}"/>
+                <a16:creationId xmlns="" xmlns:a16="http://schemas.microsoft.com/office/drawing/2014/main" id="{55891AF8-79CF-4F47-B8E3-82FB6AC0FD6F}"/>
               </a:ext>
             </a:extLst>
           </p:cNvPr>
@@ -12712,7 +12931,7 @@
           <p:cNvPr id="32" name="TextBox 31">
             <a:extLst>
               <a:ext uri="{FF2B5EF4-FFF2-40B4-BE49-F238E27FC236}">
-                <a16:creationId xmlns:a16="http://schemas.microsoft.com/office/drawing/2014/main" xmlns="" id="{D04ACD0C-7FE8-489F-829D-E53CC278B733}"/>
+                <a16:creationId xmlns="" xmlns:a16="http://schemas.microsoft.com/office/drawing/2014/main" id="{D04ACD0C-7FE8-489F-829D-E53CC278B733}"/>
               </a:ext>
             </a:extLst>
           </p:cNvPr>
@@ -16863,63 +17082,63 @@
                 <a:gridCol w="1038406">
                   <a:extLst>
                     <a:ext uri="{9D8B030D-6E8A-4147-A177-3AD203B41FA5}">
-                      <a16:colId xmlns:a16="http://schemas.microsoft.com/office/drawing/2014/main" xmlns="" val="20000"/>
+                      <a16:colId xmlns="" xmlns:a16="http://schemas.microsoft.com/office/drawing/2014/main" val="20000"/>
                     </a:ext>
                   </a:extLst>
                 </a:gridCol>
                 <a:gridCol w="468000">
                   <a:extLst>
                     <a:ext uri="{9D8B030D-6E8A-4147-A177-3AD203B41FA5}">
-                      <a16:colId xmlns:a16="http://schemas.microsoft.com/office/drawing/2014/main" xmlns="" val="20001"/>
+                      <a16:colId xmlns="" xmlns:a16="http://schemas.microsoft.com/office/drawing/2014/main" val="20001"/>
                     </a:ext>
                   </a:extLst>
                 </a:gridCol>
                 <a:gridCol w="468000">
                   <a:extLst>
                     <a:ext uri="{9D8B030D-6E8A-4147-A177-3AD203B41FA5}">
-                      <a16:colId xmlns:a16="http://schemas.microsoft.com/office/drawing/2014/main" xmlns="" val="20002"/>
+                      <a16:colId xmlns="" xmlns:a16="http://schemas.microsoft.com/office/drawing/2014/main" val="20002"/>
                     </a:ext>
                   </a:extLst>
                 </a:gridCol>
                 <a:gridCol w="468000">
                   <a:extLst>
                     <a:ext uri="{9D8B030D-6E8A-4147-A177-3AD203B41FA5}">
-                      <a16:colId xmlns:a16="http://schemas.microsoft.com/office/drawing/2014/main" xmlns="" val="20003"/>
+                      <a16:colId xmlns="" xmlns:a16="http://schemas.microsoft.com/office/drawing/2014/main" val="20003"/>
                     </a:ext>
                   </a:extLst>
                 </a:gridCol>
                 <a:gridCol w="468000">
                   <a:extLst>
                     <a:ext uri="{9D8B030D-6E8A-4147-A177-3AD203B41FA5}">
-                      <a16:colId xmlns:a16="http://schemas.microsoft.com/office/drawing/2014/main" xmlns="" val="20004"/>
+                      <a16:colId xmlns="" xmlns:a16="http://schemas.microsoft.com/office/drawing/2014/main" val="20004"/>
                     </a:ext>
                   </a:extLst>
                 </a:gridCol>
                 <a:gridCol w="468000">
                   <a:extLst>
                     <a:ext uri="{9D8B030D-6E8A-4147-A177-3AD203B41FA5}">
-                      <a16:colId xmlns:a16="http://schemas.microsoft.com/office/drawing/2014/main" xmlns="" val="20005"/>
+                      <a16:colId xmlns="" xmlns:a16="http://schemas.microsoft.com/office/drawing/2014/main" val="20005"/>
                     </a:ext>
                   </a:extLst>
                 </a:gridCol>
                 <a:gridCol w="468000">
                   <a:extLst>
                     <a:ext uri="{9D8B030D-6E8A-4147-A177-3AD203B41FA5}">
-                      <a16:colId xmlns:a16="http://schemas.microsoft.com/office/drawing/2014/main" xmlns="" val="20006"/>
+                      <a16:colId xmlns="" xmlns:a16="http://schemas.microsoft.com/office/drawing/2014/main" val="20006"/>
                     </a:ext>
                   </a:extLst>
                 </a:gridCol>
                 <a:gridCol w="468000">
                   <a:extLst>
                     <a:ext uri="{9D8B030D-6E8A-4147-A177-3AD203B41FA5}">
-                      <a16:colId xmlns:a16="http://schemas.microsoft.com/office/drawing/2014/main" xmlns="" val="20007"/>
+                      <a16:colId xmlns="" xmlns:a16="http://schemas.microsoft.com/office/drawing/2014/main" val="20007"/>
                     </a:ext>
                   </a:extLst>
                 </a:gridCol>
                 <a:gridCol w="468000">
                   <a:extLst>
                     <a:ext uri="{9D8B030D-6E8A-4147-A177-3AD203B41FA5}">
-                      <a16:colId xmlns:a16="http://schemas.microsoft.com/office/drawing/2014/main" xmlns="" val="20008"/>
+                      <a16:colId xmlns="" xmlns:a16="http://schemas.microsoft.com/office/drawing/2014/main" val="20008"/>
                     </a:ext>
                   </a:extLst>
                 </a:gridCol>
@@ -17064,7 +17283,7 @@
                 </a:tc>
                 <a:extLst>
                   <a:ext uri="{0D108BD9-81ED-4DB2-BD59-A6C34878D82A}">
-                    <a16:rowId xmlns:a16="http://schemas.microsoft.com/office/drawing/2014/main" xmlns="" val="10000"/>
+                    <a16:rowId xmlns="" xmlns:a16="http://schemas.microsoft.com/office/drawing/2014/main" val="10000"/>
                   </a:ext>
                 </a:extLst>
               </a:tr>
@@ -17208,7 +17427,7 @@
                 </a:tc>
                 <a:extLst>
                   <a:ext uri="{0D108BD9-81ED-4DB2-BD59-A6C34878D82A}">
-                    <a16:rowId xmlns:a16="http://schemas.microsoft.com/office/drawing/2014/main" xmlns="" val="10001"/>
+                    <a16:rowId xmlns="" xmlns:a16="http://schemas.microsoft.com/office/drawing/2014/main" val="10001"/>
                   </a:ext>
                 </a:extLst>
               </a:tr>
@@ -17347,7 +17566,7 @@
                 </a:tc>
                 <a:extLst>
                   <a:ext uri="{0D108BD9-81ED-4DB2-BD59-A6C34878D82A}">
-                    <a16:rowId xmlns:a16="http://schemas.microsoft.com/office/drawing/2014/main" xmlns="" val="10002"/>
+                    <a16:rowId xmlns="" xmlns:a16="http://schemas.microsoft.com/office/drawing/2014/main" val="10002"/>
                   </a:ext>
                 </a:extLst>
               </a:tr>
@@ -17486,7 +17705,7 @@
                 </a:tc>
                 <a:extLst>
                   <a:ext uri="{0D108BD9-81ED-4DB2-BD59-A6C34878D82A}">
-                    <a16:rowId xmlns:a16="http://schemas.microsoft.com/office/drawing/2014/main" xmlns="" val="10003"/>
+                    <a16:rowId xmlns="" xmlns:a16="http://schemas.microsoft.com/office/drawing/2014/main" val="10003"/>
                   </a:ext>
                 </a:extLst>
               </a:tr>
@@ -18496,7 +18715,7 @@
           <p:cNvPr id="32" name="직선 화살표 연결선 31">
             <a:extLst>
               <a:ext uri="{FF2B5EF4-FFF2-40B4-BE49-F238E27FC236}">
-                <a16:creationId xmlns:a16="http://schemas.microsoft.com/office/drawing/2014/main" xmlns="" id="{67295CE4-B12B-4C1B-B4B1-2581DB009B52}"/>
+                <a16:creationId xmlns="" xmlns:a16="http://schemas.microsoft.com/office/drawing/2014/main" id="{67295CE4-B12B-4C1B-B4B1-2581DB009B52}"/>
               </a:ext>
             </a:extLst>
           </p:cNvPr>
@@ -18538,7 +18757,7 @@
           <p:cNvPr id="89" name="TextBox 88">
             <a:extLst>
               <a:ext uri="{FF2B5EF4-FFF2-40B4-BE49-F238E27FC236}">
-                <a16:creationId xmlns:a16="http://schemas.microsoft.com/office/drawing/2014/main" xmlns="" id="{F34E007B-4279-4757-B761-59591A222974}"/>
+                <a16:creationId xmlns="" xmlns:a16="http://schemas.microsoft.com/office/drawing/2014/main" id="{F34E007B-4279-4757-B761-59591A222974}"/>
               </a:ext>
             </a:extLst>
           </p:cNvPr>
@@ -18619,7 +18838,7 @@
           <p:cNvPr id="90" name="직선 화살표 연결선 89">
             <a:extLst>
               <a:ext uri="{FF2B5EF4-FFF2-40B4-BE49-F238E27FC236}">
-                <a16:creationId xmlns:a16="http://schemas.microsoft.com/office/drawing/2014/main" xmlns="" id="{EAB2515F-A088-4341-BD63-0B53203595EE}"/>
+                <a16:creationId xmlns="" xmlns:a16="http://schemas.microsoft.com/office/drawing/2014/main" id="{EAB2515F-A088-4341-BD63-0B53203595EE}"/>
               </a:ext>
             </a:extLst>
           </p:cNvPr>
@@ -18664,7 +18883,7 @@
           <p:cNvPr id="94" name="직선 화살표 연결선 93">
             <a:extLst>
               <a:ext uri="{FF2B5EF4-FFF2-40B4-BE49-F238E27FC236}">
-                <a16:creationId xmlns:a16="http://schemas.microsoft.com/office/drawing/2014/main" xmlns="" id="{BB3A143E-390C-41DD-8A83-3C2E996C0C4F}"/>
+                <a16:creationId xmlns="" xmlns:a16="http://schemas.microsoft.com/office/drawing/2014/main" id="{BB3A143E-390C-41DD-8A83-3C2E996C0C4F}"/>
               </a:ext>
             </a:extLst>
           </p:cNvPr>
@@ -18706,7 +18925,7 @@
           <p:cNvPr id="95" name="직선 화살표 연결선 94">
             <a:extLst>
               <a:ext uri="{FF2B5EF4-FFF2-40B4-BE49-F238E27FC236}">
-                <a16:creationId xmlns:a16="http://schemas.microsoft.com/office/drawing/2014/main" xmlns="" id="{4A41252E-58E0-4EF3-BC95-C60B96213F38}"/>
+                <a16:creationId xmlns="" xmlns:a16="http://schemas.microsoft.com/office/drawing/2014/main" id="{4A41252E-58E0-4EF3-BC95-C60B96213F38}"/>
               </a:ext>
             </a:extLst>
           </p:cNvPr>
@@ -18750,7 +18969,7 @@
           <p:cNvPr id="96" name="직선 화살표 연결선 95">
             <a:extLst>
               <a:ext uri="{FF2B5EF4-FFF2-40B4-BE49-F238E27FC236}">
-                <a16:creationId xmlns:a16="http://schemas.microsoft.com/office/drawing/2014/main" xmlns="" id="{31BB1959-A96D-43F1-AF2F-EC3A0C0039C6}"/>
+                <a16:creationId xmlns="" xmlns:a16="http://schemas.microsoft.com/office/drawing/2014/main" id="{31BB1959-A96D-43F1-AF2F-EC3A0C0039C6}"/>
               </a:ext>
             </a:extLst>
           </p:cNvPr>
@@ -18795,7 +19014,7 @@
           <p:cNvPr id="97" name="직선 화살표 연결선 96">
             <a:extLst>
               <a:ext uri="{FF2B5EF4-FFF2-40B4-BE49-F238E27FC236}">
-                <a16:creationId xmlns:a16="http://schemas.microsoft.com/office/drawing/2014/main" xmlns="" id="{A767C891-0001-4D10-BAAC-8D0EA077217B}"/>
+                <a16:creationId xmlns="" xmlns:a16="http://schemas.microsoft.com/office/drawing/2014/main" id="{A767C891-0001-4D10-BAAC-8D0EA077217B}"/>
               </a:ext>
             </a:extLst>
           </p:cNvPr>
@@ -18837,7 +19056,7 @@
           <p:cNvPr id="99" name="TextBox 98">
             <a:extLst>
               <a:ext uri="{FF2B5EF4-FFF2-40B4-BE49-F238E27FC236}">
-                <a16:creationId xmlns:a16="http://schemas.microsoft.com/office/drawing/2014/main" xmlns="" id="{390FA778-17D3-4382-B070-FFEEE5134E4A}"/>
+                <a16:creationId xmlns="" xmlns:a16="http://schemas.microsoft.com/office/drawing/2014/main" id="{390FA778-17D3-4382-B070-FFEEE5134E4A}"/>
               </a:ext>
             </a:extLst>
           </p:cNvPr>
@@ -19120,7 +19339,7 @@
           <p:cNvPr id="9" name="TextBox 8">
             <a:extLst>
               <a:ext uri="{FF2B5EF4-FFF2-40B4-BE49-F238E27FC236}">
-                <a16:creationId xmlns:a16="http://schemas.microsoft.com/office/drawing/2014/main" xmlns="" id="{2355503C-A3E1-4719-8285-D8D3E203F732}"/>
+                <a16:creationId xmlns="" xmlns:a16="http://schemas.microsoft.com/office/drawing/2014/main" id="{2355503C-A3E1-4719-8285-D8D3E203F732}"/>
               </a:ext>
             </a:extLst>
           </p:cNvPr>
@@ -21344,7 +21563,7 @@
                 <a:hlinkClick r:id="rId6">
                   <a:extLst>
                     <a:ext uri="{A12FA001-AC4F-418D-AE19-62706E023703}">
-                      <ahyp:hlinkClr xmlns:ahyp="http://schemas.microsoft.com/office/drawing/2018/hyperlinkcolor" xmlns="" val="tx"/>
+                      <ahyp:hlinkClr xmlns="" xmlns:ahyp="http://schemas.microsoft.com/office/drawing/2018/hyperlinkcolor" val="tx"/>
                     </a:ext>
                   </a:extLst>
                 </a:hlinkClick>
@@ -21529,7 +21748,7 @@
                 <a:hlinkClick r:id="rId10">
                   <a:extLst>
                     <a:ext uri="{A12FA001-AC4F-418D-AE19-62706E023703}">
-                      <ahyp:hlinkClr xmlns:ahyp="http://schemas.microsoft.com/office/drawing/2018/hyperlinkcolor" xmlns="" val="tx"/>
+                      <ahyp:hlinkClr xmlns="" xmlns:ahyp="http://schemas.microsoft.com/office/drawing/2018/hyperlinkcolor" val="tx"/>
                     </a:ext>
                   </a:extLst>
                 </a:hlinkClick>
@@ -21943,6 +22162,1358 @@
     <p:extLst>
       <p:ext uri="{BB962C8B-B14F-4D97-AF65-F5344CB8AC3E}">
         <p14:creationId xmlns:p14="http://schemas.microsoft.com/office/powerpoint/2010/main" val="3187512368"/>
+      </p:ext>
+    </p:extLst>
+  </p:cSld>
+  <p:clrMapOvr>
+    <a:masterClrMapping/>
+  </p:clrMapOvr>
+</p:sld>
+</file>
+
+<file path=ppt/slides/slide20.xml><?xml version="1.0" encoding="utf-8"?>
+<p:sld xmlns:a="http://schemas.openxmlformats.org/drawingml/2006/main" xmlns:r="http://schemas.openxmlformats.org/officeDocument/2006/relationships" xmlns:p="http://schemas.openxmlformats.org/presentationml/2006/main">
+  <p:cSld>
+    <p:spTree>
+      <p:nvGrpSpPr>
+        <p:cNvPr id="1" name=""/>
+        <p:cNvGrpSpPr/>
+        <p:nvPr/>
+      </p:nvGrpSpPr>
+      <p:grpSpPr>
+        <a:xfrm>
+          <a:off x="0" y="0"/>
+          <a:ext cx="0" cy="0"/>
+          <a:chOff x="0" y="0"/>
+          <a:chExt cx="0" cy="0"/>
+        </a:xfrm>
+      </p:grpSpPr>
+      <p:sp>
+        <p:nvSpPr>
+          <p:cNvPr id="4" name="직사각형 3"/>
+          <p:cNvSpPr/>
+          <p:nvPr/>
+        </p:nvSpPr>
+        <p:spPr>
+          <a:xfrm>
+            <a:off x="634203" y="554661"/>
+            <a:ext cx="4763812" cy="570083"/>
+          </a:xfrm>
+          <a:prstGeom prst="rect">
+            <a:avLst/>
+          </a:prstGeom>
+        </p:spPr>
+        <p:style>
+          <a:lnRef idx="2">
+            <a:schemeClr val="accent1">
+              <a:shade val="50000"/>
+            </a:schemeClr>
+          </a:lnRef>
+          <a:fillRef idx="1">
+            <a:schemeClr val="accent1"/>
+          </a:fillRef>
+          <a:effectRef idx="0">
+            <a:schemeClr val="accent1"/>
+          </a:effectRef>
+          <a:fontRef idx="minor">
+            <a:schemeClr val="lt1"/>
+          </a:fontRef>
+        </p:style>
+        <p:txBody>
+          <a:bodyPr rtlCol="0" anchor="ctr"/>
+          <a:lstStyle/>
+          <a:p>
+            <a:pPr algn="ctr"/>
+            <a:r>
+              <a:rPr lang="ko-KR" altLang="en-US" dirty="0"/>
+              <a:t>말이 되고픈 </a:t>
+            </a:r>
+            <a:r>
+              <a:rPr lang="ko-KR" altLang="en-US" dirty="0" smtClean="0"/>
+              <a:t>원숭이 </a:t>
+            </a:r>
+            <a:r>
+              <a:rPr lang="en-US" altLang="ko-KR" dirty="0" smtClean="0"/>
+              <a:t>(</a:t>
+            </a:r>
+            <a:r>
+              <a:rPr lang="ko-KR" altLang="en-US" dirty="0" smtClean="0"/>
+              <a:t>백준</a:t>
+            </a:r>
+            <a:r>
+              <a:rPr lang="en-US" altLang="ko-KR" dirty="0" smtClean="0"/>
+              <a:t> 1600</a:t>
+            </a:r>
+            <a:r>
+              <a:rPr lang="ko-KR" altLang="en-US" dirty="0" smtClean="0"/>
+              <a:t>번</a:t>
+            </a:r>
+            <a:r>
+              <a:rPr lang="en-US" altLang="ko-KR" dirty="0" smtClean="0"/>
+              <a:t>) </a:t>
+            </a:r>
+            <a:endParaRPr lang="en-US" altLang="ko-KR" dirty="0"/>
+          </a:p>
+        </p:txBody>
+      </p:sp>
+      <p:sp>
+        <p:nvSpPr>
+          <p:cNvPr id="5" name="직사각형 4"/>
+          <p:cNvSpPr/>
+          <p:nvPr/>
+        </p:nvSpPr>
+        <p:spPr>
+          <a:xfrm>
+            <a:off x="169334" y="169334"/>
+            <a:ext cx="11853333" cy="6519333"/>
+          </a:xfrm>
+          <a:prstGeom prst="rect">
+            <a:avLst/>
+          </a:prstGeom>
+          <a:noFill/>
+          <a:ln w="12700">
+            <a:solidFill>
+              <a:schemeClr val="bg1">
+                <a:lumMod val="75000"/>
+              </a:schemeClr>
+            </a:solidFill>
+          </a:ln>
+        </p:spPr>
+        <p:style>
+          <a:lnRef idx="2">
+            <a:schemeClr val="accent1">
+              <a:shade val="50000"/>
+            </a:schemeClr>
+          </a:lnRef>
+          <a:fillRef idx="1">
+            <a:schemeClr val="accent1"/>
+          </a:fillRef>
+          <a:effectRef idx="0">
+            <a:schemeClr val="accent1"/>
+          </a:effectRef>
+          <a:fontRef idx="minor">
+            <a:schemeClr val="lt1"/>
+          </a:fontRef>
+        </p:style>
+        <p:txBody>
+          <a:bodyPr rtlCol="0" anchor="ctr"/>
+          <a:lstStyle/>
+          <a:p>
+            <a:pPr algn="ctr"/>
+            <a:endParaRPr lang="ko-KR" altLang="en-US"/>
+          </a:p>
+        </p:txBody>
+      </p:sp>
+      <p:pic>
+        <p:nvPicPr>
+          <p:cNvPr id="2" name="Picture 2"/>
+          <p:cNvPicPr>
+            <a:picLocks noChangeAspect="1" noChangeArrowheads="1"/>
+          </p:cNvPicPr>
+          <p:nvPr/>
+        </p:nvPicPr>
+        <p:blipFill>
+          <a:blip r:embed="rId2">
+            <a:extLst>
+              <a:ext uri="{28A0092B-C50C-407E-A947-70E740481C1C}">
+                <a14:useLocalDpi xmlns:a14="http://schemas.microsoft.com/office/drawing/2010/main" val="0"/>
+              </a:ext>
+            </a:extLst>
+          </a:blip>
+          <a:srcRect/>
+          <a:stretch>
+            <a:fillRect/>
+          </a:stretch>
+        </p:blipFill>
+        <p:spPr bwMode="auto">
+          <a:xfrm>
+            <a:off x="633412" y="1143759"/>
+            <a:ext cx="10718378" cy="5364696"/>
+          </a:xfrm>
+          <a:prstGeom prst="rect">
+            <a:avLst/>
+          </a:prstGeom>
+          <a:noFill/>
+          <a:ln>
+            <a:noFill/>
+          </a:ln>
+          <a:effectLst/>
+          <a:extLst>
+            <a:ext uri="{909E8E84-426E-40DD-AFC4-6F175D3DCCD1}">
+              <a14:hiddenFill xmlns:a14="http://schemas.microsoft.com/office/drawing/2010/main">
+                <a:solidFill>
+                  <a:schemeClr val="accent1"/>
+                </a:solidFill>
+              </a14:hiddenFill>
+            </a:ext>
+            <a:ext uri="{91240B29-F687-4F45-9708-019B960494DF}">
+              <a14:hiddenLine xmlns:a14="http://schemas.microsoft.com/office/drawing/2010/main" w="9525">
+                <a:solidFill>
+                  <a:schemeClr val="tx1"/>
+                </a:solidFill>
+                <a:miter lim="800000"/>
+                <a:headEnd/>
+                <a:tailEnd/>
+              </a14:hiddenLine>
+            </a:ext>
+            <a:ext uri="{AF507438-7753-43E0-B8FC-AC1667EBCBE1}">
+              <a14:hiddenEffects xmlns:a14="http://schemas.microsoft.com/office/drawing/2010/main">
+                <a:effectLst>
+                  <a:outerShdw dist="35921" dir="2700000" algn="ctr" rotWithShape="0">
+                    <a:schemeClr val="bg2"/>
+                  </a:outerShdw>
+                </a:effectLst>
+              </a14:hiddenEffects>
+            </a:ext>
+          </a:extLst>
+        </p:spPr>
+      </p:pic>
+    </p:spTree>
+    <p:extLst>
+      <p:ext uri="{BB962C8B-B14F-4D97-AF65-F5344CB8AC3E}">
+        <p14:creationId xmlns:p14="http://schemas.microsoft.com/office/powerpoint/2010/main" val="3672273338"/>
+      </p:ext>
+    </p:extLst>
+  </p:cSld>
+  <p:clrMapOvr>
+    <a:masterClrMapping/>
+  </p:clrMapOvr>
+</p:sld>
+</file>
+
+<file path=ppt/slides/slide21.xml><?xml version="1.0" encoding="utf-8"?>
+<p:sld xmlns:a="http://schemas.openxmlformats.org/drawingml/2006/main" xmlns:r="http://schemas.openxmlformats.org/officeDocument/2006/relationships" xmlns:p="http://schemas.openxmlformats.org/presentationml/2006/main">
+  <p:cSld>
+    <p:spTree>
+      <p:nvGrpSpPr>
+        <p:cNvPr id="1" name=""/>
+        <p:cNvGrpSpPr/>
+        <p:nvPr/>
+      </p:nvGrpSpPr>
+      <p:grpSpPr>
+        <a:xfrm>
+          <a:off x="0" y="0"/>
+          <a:ext cx="0" cy="0"/>
+          <a:chOff x="0" y="0"/>
+          <a:chExt cx="0" cy="0"/>
+        </a:xfrm>
+      </p:grpSpPr>
+      <p:sp>
+        <p:nvSpPr>
+          <p:cNvPr id="2" name="직사각형 1"/>
+          <p:cNvSpPr/>
+          <p:nvPr/>
+        </p:nvSpPr>
+        <p:spPr>
+          <a:xfrm>
+            <a:off x="5735166" y="1484784"/>
+            <a:ext cx="5544616" cy="3293209"/>
+          </a:xfrm>
+          <a:prstGeom prst="rect">
+            <a:avLst/>
+          </a:prstGeom>
+          <a:ln>
+            <a:solidFill>
+              <a:schemeClr val="tx1"/>
+            </a:solidFill>
+          </a:ln>
+        </p:spPr>
+        <p:txBody>
+          <a:bodyPr wrap="square">
+            <a:spAutoFit/>
+          </a:bodyPr>
+          <a:lstStyle/>
+          <a:p>
+            <a:r>
+              <a:rPr lang="en-US" altLang="ko-KR" sz="1600" dirty="0"/>
+              <a:t>from collections import </a:t>
+            </a:r>
+            <a:r>
+              <a:rPr lang="en-US" altLang="ko-KR" sz="1600" dirty="0" err="1"/>
+              <a:t>deque</a:t>
+            </a:r>
+            <a:endParaRPr lang="en-US" altLang="ko-KR" sz="1600" dirty="0"/>
+          </a:p>
+          <a:p>
+            <a:r>
+              <a:rPr lang="en-US" altLang="ko-KR" sz="1600" dirty="0"/>
+              <a:t/>
+            </a:r>
+            <a:br>
+              <a:rPr lang="en-US" altLang="ko-KR" sz="1600" dirty="0"/>
+            </a:br>
+            <a:r>
+              <a:rPr lang="en-US" altLang="ko-KR" sz="1600" dirty="0"/>
+              <a:t>k = </a:t>
+            </a:r>
+            <a:r>
+              <a:rPr lang="en-US" altLang="ko-KR" sz="1600" dirty="0" err="1"/>
+              <a:t>int</a:t>
+            </a:r>
+            <a:r>
+              <a:rPr lang="en-US" altLang="ko-KR" sz="1600" dirty="0"/>
+              <a:t>(input())</a:t>
+            </a:r>
+          </a:p>
+          <a:p>
+            <a:r>
+              <a:rPr lang="en-US" altLang="ko-KR" sz="1600" dirty="0"/>
+              <a:t>w, h = map(</a:t>
+            </a:r>
+            <a:r>
+              <a:rPr lang="en-US" altLang="ko-KR" sz="1600" dirty="0" err="1"/>
+              <a:t>int</a:t>
+            </a:r>
+            <a:r>
+              <a:rPr lang="en-US" altLang="ko-KR" sz="1600" dirty="0"/>
+              <a:t>, input().split())</a:t>
+            </a:r>
+          </a:p>
+          <a:p>
+            <a:r>
+              <a:rPr lang="en-US" altLang="ko-KR" sz="1600" dirty="0"/>
+              <a:t>a = [list(map(</a:t>
+            </a:r>
+            <a:r>
+              <a:rPr lang="en-US" altLang="ko-KR" sz="1600" dirty="0" err="1"/>
+              <a:t>int</a:t>
+            </a:r>
+            <a:r>
+              <a:rPr lang="en-US" altLang="ko-KR" sz="1600" dirty="0"/>
+              <a:t>, input().split())) for _ in range(h)]</a:t>
+            </a:r>
+          </a:p>
+          <a:p>
+            <a:r>
+              <a:rPr lang="en-US" altLang="ko-KR" sz="1600" dirty="0" err="1"/>
+              <a:t>dist</a:t>
+            </a:r>
+            <a:r>
+              <a:rPr lang="en-US" altLang="ko-KR" sz="1600" dirty="0"/>
+              <a:t> = [[[0]*(w) for _ in range(h)] for _ in range(k+1)]</a:t>
+            </a:r>
+          </a:p>
+          <a:p>
+            <a:r>
+              <a:rPr lang="en-US" altLang="ko-KR" sz="1600" dirty="0"/>
+              <a:t>check = [[[False]*(w) for _ in range(h)] for _ in range(k+1)]</a:t>
+            </a:r>
+          </a:p>
+          <a:p>
+            <a:r>
+              <a:rPr lang="en-US" altLang="ko-KR" sz="1600" dirty="0"/>
+              <a:t>q = </a:t>
+            </a:r>
+            <a:r>
+              <a:rPr lang="en-US" altLang="ko-KR" sz="1600" dirty="0" err="1"/>
+              <a:t>deque</a:t>
+            </a:r>
+            <a:r>
+              <a:rPr lang="en-US" altLang="ko-KR" sz="1600" dirty="0"/>
+              <a:t>()</a:t>
+            </a:r>
+          </a:p>
+          <a:p>
+            <a:r>
+              <a:rPr lang="en-US" altLang="ko-KR" sz="1600" dirty="0"/>
+              <a:t>dx1 = [1, -1, 0, 0]</a:t>
+            </a:r>
+          </a:p>
+          <a:p>
+            <a:r>
+              <a:rPr lang="en-US" altLang="ko-KR" sz="1600" dirty="0"/>
+              <a:t>dy1 = [0, 0, 1, -1]</a:t>
+            </a:r>
+          </a:p>
+          <a:p>
+            <a:r>
+              <a:rPr lang="en-US" altLang="ko-KR" sz="1600" dirty="0"/>
+              <a:t>dx2 = [1, 1, -1, -1, 2, 2, -2, -2]</a:t>
+            </a:r>
+          </a:p>
+          <a:p>
+            <a:r>
+              <a:rPr lang="en-US" altLang="ko-KR" sz="1600" dirty="0"/>
+              <a:t>dy2 = [2, -2, 2, -2, 1, -1, 1, -1]</a:t>
+            </a:r>
+          </a:p>
+          <a:p>
+            <a:endParaRPr lang="en-US" altLang="ko-KR" sz="1600" dirty="0"/>
+          </a:p>
+        </p:txBody>
+      </p:sp>
+      <p:sp>
+        <p:nvSpPr>
+          <p:cNvPr id="6" name="직사각형 5"/>
+          <p:cNvSpPr/>
+          <p:nvPr/>
+        </p:nvSpPr>
+        <p:spPr>
+          <a:xfrm>
+            <a:off x="169334" y="169334"/>
+            <a:ext cx="11853333" cy="6519333"/>
+          </a:xfrm>
+          <a:prstGeom prst="rect">
+            <a:avLst/>
+          </a:prstGeom>
+          <a:noFill/>
+          <a:ln w="12700">
+            <a:solidFill>
+              <a:schemeClr val="bg1">
+                <a:lumMod val="75000"/>
+              </a:schemeClr>
+            </a:solidFill>
+          </a:ln>
+        </p:spPr>
+        <p:style>
+          <a:lnRef idx="2">
+            <a:schemeClr val="accent1">
+              <a:shade val="50000"/>
+            </a:schemeClr>
+          </a:lnRef>
+          <a:fillRef idx="1">
+            <a:schemeClr val="accent1"/>
+          </a:fillRef>
+          <a:effectRef idx="0">
+            <a:schemeClr val="accent1"/>
+          </a:effectRef>
+          <a:fontRef idx="minor">
+            <a:schemeClr val="lt1"/>
+          </a:fontRef>
+        </p:style>
+        <p:txBody>
+          <a:bodyPr rtlCol="0" anchor="ctr"/>
+          <a:lstStyle/>
+          <a:p>
+            <a:pPr algn="ctr"/>
+            <a:endParaRPr lang="ko-KR" altLang="en-US"/>
+          </a:p>
+        </p:txBody>
+      </p:sp>
+      <p:sp>
+        <p:nvSpPr>
+          <p:cNvPr id="7" name="TextBox 6"/>
+          <p:cNvSpPr txBox="1"/>
+          <p:nvPr/>
+        </p:nvSpPr>
+        <p:spPr>
+          <a:xfrm>
+            <a:off x="400049" y="611977"/>
+            <a:ext cx="6271221" cy="584775"/>
+          </a:xfrm>
+          <a:prstGeom prst="rect">
+            <a:avLst/>
+          </a:prstGeom>
+          <a:noFill/>
+        </p:spPr>
+        <p:txBody>
+          <a:bodyPr wrap="square" rtlCol="0">
+            <a:spAutoFit/>
+          </a:bodyPr>
+          <a:lstStyle/>
+          <a:p>
+            <a:r>
+              <a:rPr lang="ko-KR" altLang="en-US" sz="3200" dirty="0">
+                <a:ln>
+                  <a:solidFill>
+                    <a:schemeClr val="tx1">
+                      <a:alpha val="50000"/>
+                    </a:schemeClr>
+                  </a:solidFill>
+                </a:ln>
+                <a:latin typeface="-윤고딕330" panose="02030504000101010101" pitchFamily="18" charset="-127"/>
+                <a:ea typeface="-윤고딕330" panose="02030504000101010101" pitchFamily="18" charset="-127"/>
+              </a:rPr>
+              <a:t>풀이</a:t>
+            </a:r>
+            <a:endParaRPr lang="en-US" altLang="ko-KR" sz="3200" dirty="0">
+              <a:ln>
+                <a:solidFill>
+                  <a:schemeClr val="tx1">
+                    <a:alpha val="50000"/>
+                  </a:schemeClr>
+                </a:solidFill>
+              </a:ln>
+              <a:latin typeface="-윤고딕330" panose="02030504000101010101" pitchFamily="18" charset="-127"/>
+              <a:ea typeface="-윤고딕330" panose="02030504000101010101" pitchFamily="18" charset="-127"/>
+            </a:endParaRPr>
+          </a:p>
+        </p:txBody>
+      </p:sp>
+      <p:pic>
+        <p:nvPicPr>
+          <p:cNvPr id="2050" name="Picture 2"/>
+          <p:cNvPicPr>
+            <a:picLocks noChangeAspect="1" noChangeArrowheads="1"/>
+          </p:cNvPicPr>
+          <p:nvPr/>
+        </p:nvPicPr>
+        <p:blipFill rotWithShape="1">
+          <a:blip r:embed="rId3">
+            <a:extLst>
+              <a:ext uri="{28A0092B-C50C-407E-A947-70E740481C1C}">
+                <a14:useLocalDpi xmlns:a14="http://schemas.microsoft.com/office/drawing/2010/main" val="0"/>
+              </a:ext>
+            </a:extLst>
+          </a:blip>
+          <a:srcRect r="78892"/>
+          <a:stretch/>
+        </p:blipFill>
+        <p:spPr bwMode="auto">
+          <a:xfrm>
+            <a:off x="586999" y="1484784"/>
+            <a:ext cx="2267847" cy="3838575"/>
+          </a:xfrm>
+          <a:prstGeom prst="rect">
+            <a:avLst/>
+          </a:prstGeom>
+          <a:noFill/>
+          <a:ln w="9525">
+            <a:solidFill>
+              <a:schemeClr val="tx1"/>
+            </a:solidFill>
+            <a:miter lim="800000"/>
+            <a:headEnd/>
+            <a:tailEnd/>
+          </a:ln>
+          <a:effectLst/>
+          <a:extLst>
+            <a:ext uri="{909E8E84-426E-40DD-AFC4-6F175D3DCCD1}">
+              <a14:hiddenFill xmlns:a14="http://schemas.microsoft.com/office/drawing/2010/main">
+                <a:solidFill>
+                  <a:schemeClr val="accent1"/>
+                </a:solidFill>
+              </a14:hiddenFill>
+            </a:ext>
+            <a:ext uri="{AF507438-7753-43E0-B8FC-AC1667EBCBE1}">
+              <a14:hiddenEffects xmlns:a14="http://schemas.microsoft.com/office/drawing/2010/main">
+                <a:effectLst>
+                  <a:outerShdw dist="35921" dir="2700000" algn="ctr" rotWithShape="0">
+                    <a:schemeClr val="bg2"/>
+                  </a:outerShdw>
+                </a:effectLst>
+              </a14:hiddenEffects>
+            </a:ext>
+          </a:extLst>
+        </p:spPr>
+      </p:pic>
+      <p:pic>
+        <p:nvPicPr>
+          <p:cNvPr id="2051" name="Picture 3"/>
+          <p:cNvPicPr>
+            <a:picLocks noChangeAspect="1" noChangeArrowheads="1"/>
+          </p:cNvPicPr>
+          <p:nvPr/>
+        </p:nvPicPr>
+        <p:blipFill rotWithShape="1">
+          <a:blip r:embed="rId3">
+            <a:extLst>
+              <a:ext uri="{28A0092B-C50C-407E-A947-70E740481C1C}">
+                <a14:useLocalDpi xmlns:a14="http://schemas.microsoft.com/office/drawing/2010/main" val="0"/>
+              </a:ext>
+            </a:extLst>
+          </a:blip>
+          <a:srcRect l="77382"/>
+          <a:stretch/>
+        </p:blipFill>
+        <p:spPr bwMode="auto">
+          <a:xfrm>
+            <a:off x="3089053" y="1509713"/>
+            <a:ext cx="2430089" cy="3838575"/>
+          </a:xfrm>
+          <a:prstGeom prst="rect">
+            <a:avLst/>
+          </a:prstGeom>
+          <a:noFill/>
+          <a:ln w="9525">
+            <a:solidFill>
+              <a:schemeClr val="tx1"/>
+            </a:solidFill>
+            <a:miter lim="800000"/>
+            <a:headEnd/>
+            <a:tailEnd/>
+          </a:ln>
+          <a:effectLst/>
+          <a:extLst>
+            <a:ext uri="{909E8E84-426E-40DD-AFC4-6F175D3DCCD1}">
+              <a14:hiddenFill xmlns:a14="http://schemas.microsoft.com/office/drawing/2010/main">
+                <a:solidFill>
+                  <a:schemeClr val="accent1"/>
+                </a:solidFill>
+              </a14:hiddenFill>
+            </a:ext>
+            <a:ext uri="{AF507438-7753-43E0-B8FC-AC1667EBCBE1}">
+              <a14:hiddenEffects xmlns:a14="http://schemas.microsoft.com/office/drawing/2010/main">
+                <a:effectLst>
+                  <a:outerShdw dist="35921" dir="2700000" algn="ctr" rotWithShape="0">
+                    <a:schemeClr val="bg2"/>
+                  </a:outerShdw>
+                </a:effectLst>
+              </a14:hiddenEffects>
+            </a:ext>
+          </a:extLst>
+        </p:spPr>
+      </p:pic>
+    </p:spTree>
+    <p:extLst>
+      <p:ext uri="{BB962C8B-B14F-4D97-AF65-F5344CB8AC3E}">
+        <p14:creationId xmlns:p14="http://schemas.microsoft.com/office/powerpoint/2010/main" val="2596129171"/>
+      </p:ext>
+    </p:extLst>
+  </p:cSld>
+  <p:clrMapOvr>
+    <a:masterClrMapping/>
+  </p:clrMapOvr>
+</p:sld>
+</file>
+
+<file path=ppt/slides/slide22.xml><?xml version="1.0" encoding="utf-8"?>
+<p:sld xmlns:a="http://schemas.openxmlformats.org/drawingml/2006/main" xmlns:r="http://schemas.openxmlformats.org/officeDocument/2006/relationships" xmlns:p="http://schemas.openxmlformats.org/presentationml/2006/main">
+  <p:cSld>
+    <p:spTree>
+      <p:nvGrpSpPr>
+        <p:cNvPr id="1" name=""/>
+        <p:cNvGrpSpPr/>
+        <p:nvPr/>
+      </p:nvGrpSpPr>
+      <p:grpSpPr>
+        <a:xfrm>
+          <a:off x="0" y="0"/>
+          <a:ext cx="0" cy="0"/>
+          <a:chOff x="0" y="0"/>
+          <a:chExt cx="0" cy="0"/>
+        </a:xfrm>
+      </p:grpSpPr>
+      <p:sp>
+        <p:nvSpPr>
+          <p:cNvPr id="2" name="직사각형 1"/>
+          <p:cNvSpPr/>
+          <p:nvPr/>
+        </p:nvSpPr>
+        <p:spPr>
+          <a:xfrm>
+            <a:off x="7103318" y="1474255"/>
+            <a:ext cx="4176464" cy="4770537"/>
+          </a:xfrm>
+          <a:prstGeom prst="rect">
+            <a:avLst/>
+          </a:prstGeom>
+          <a:ln>
+            <a:solidFill>
+              <a:schemeClr val="tx1"/>
+            </a:solidFill>
+          </a:ln>
+        </p:spPr>
+        <p:txBody>
+          <a:bodyPr wrap="square">
+            <a:spAutoFit/>
+          </a:bodyPr>
+          <a:lstStyle/>
+          <a:p>
+            <a:r>
+              <a:rPr lang="en-US" altLang="ko-KR" sz="1600" dirty="0" err="1"/>
+              <a:t>def</a:t>
+            </a:r>
+            <a:r>
+              <a:rPr lang="en-US" altLang="ko-KR" sz="1600" dirty="0"/>
+              <a:t> </a:t>
+            </a:r>
+            <a:r>
+              <a:rPr lang="en-US" altLang="ko-KR" sz="1600" dirty="0" err="1"/>
+              <a:t>bfs</a:t>
+            </a:r>
+            <a:r>
+              <a:rPr lang="en-US" altLang="ko-KR" sz="1600" dirty="0"/>
+              <a:t>():</a:t>
+            </a:r>
+          </a:p>
+          <a:p>
+            <a:r>
+              <a:rPr lang="en-US" altLang="ko-KR" sz="1600" dirty="0"/>
+              <a:t>    </a:t>
+            </a:r>
+            <a:r>
+              <a:rPr lang="en-US" altLang="ko-KR" sz="1600" dirty="0" err="1"/>
+              <a:t>q.append</a:t>
+            </a:r>
+            <a:r>
+              <a:rPr lang="en-US" altLang="ko-KR" sz="1600" dirty="0"/>
+              <a:t>([0, 0, 0])</a:t>
+            </a:r>
+          </a:p>
+          <a:p>
+            <a:r>
+              <a:rPr lang="en-US" altLang="ko-KR" sz="1600" dirty="0"/>
+              <a:t>    </a:t>
+            </a:r>
+            <a:r>
+              <a:rPr lang="en-US" altLang="ko-KR" sz="1600" dirty="0" err="1"/>
+              <a:t>dist</a:t>
+            </a:r>
+            <a:r>
+              <a:rPr lang="en-US" altLang="ko-KR" sz="1600" dirty="0"/>
+              <a:t>[0][0][0] = 0</a:t>
+            </a:r>
+          </a:p>
+          <a:p>
+            <a:r>
+              <a:rPr lang="en-US" altLang="ko-KR" sz="1600" dirty="0"/>
+              <a:t>    check[0][0][0] = True</a:t>
+            </a:r>
+          </a:p>
+          <a:p>
+            <a:r>
+              <a:rPr lang="en-US" altLang="ko-KR" sz="1600" dirty="0"/>
+              <a:t>    check[1][0][0] = True</a:t>
+            </a:r>
+          </a:p>
+          <a:p>
+            <a:r>
+              <a:rPr lang="en-US" altLang="ko-KR" sz="1600" dirty="0"/>
+              <a:t>    while q:</a:t>
+            </a:r>
+          </a:p>
+          <a:p>
+            <a:r>
+              <a:rPr lang="en-US" altLang="ko-KR" sz="1600" dirty="0"/>
+              <a:t>        x, y, z = </a:t>
+            </a:r>
+            <a:r>
+              <a:rPr lang="en-US" altLang="ko-KR" sz="1600" dirty="0" err="1"/>
+              <a:t>q.popleft</a:t>
+            </a:r>
+            <a:r>
+              <a:rPr lang="en-US" altLang="ko-KR" sz="1600" dirty="0"/>
+              <a:t>()</a:t>
+            </a:r>
+          </a:p>
+          <a:p>
+            <a:r>
+              <a:rPr lang="en-US" altLang="ko-KR" sz="1600" dirty="0"/>
+              <a:t>        if x == h-1 and y == w-1:</a:t>
+            </a:r>
+          </a:p>
+          <a:p>
+            <a:r>
+              <a:rPr lang="en-US" altLang="ko-KR" sz="1600" dirty="0"/>
+              <a:t>            print(</a:t>
+            </a:r>
+            <a:r>
+              <a:rPr lang="en-US" altLang="ko-KR" sz="1600" dirty="0" err="1"/>
+              <a:t>dist</a:t>
+            </a:r>
+            <a:r>
+              <a:rPr lang="en-US" altLang="ko-KR" sz="1600" dirty="0"/>
+              <a:t>[z][x][y])</a:t>
+            </a:r>
+          </a:p>
+          <a:p>
+            <a:r>
+              <a:rPr lang="en-US" altLang="ko-KR" sz="1600" dirty="0"/>
+              <a:t>            return </a:t>
+            </a:r>
+          </a:p>
+          <a:p>
+            <a:r>
+              <a:rPr lang="en-US" altLang="ko-KR" sz="1600" dirty="0"/>
+              <a:t>        if z &lt; k:</a:t>
+            </a:r>
+          </a:p>
+          <a:p>
+            <a:r>
+              <a:rPr lang="en-US" altLang="ko-KR" sz="1600" dirty="0"/>
+              <a:t>            horse(x, y, z)</a:t>
+            </a:r>
+          </a:p>
+          <a:p>
+            <a:r>
+              <a:rPr lang="en-US" altLang="ko-KR" sz="1600" dirty="0"/>
+              <a:t>            monkey(x, y, z)</a:t>
+            </a:r>
+          </a:p>
+          <a:p>
+            <a:r>
+              <a:rPr lang="en-US" altLang="ko-KR" sz="1600" dirty="0"/>
+              <a:t>        </a:t>
+            </a:r>
+            <a:r>
+              <a:rPr lang="en-US" altLang="ko-KR" sz="1600" dirty="0" err="1"/>
+              <a:t>elif</a:t>
+            </a:r>
+            <a:r>
+              <a:rPr lang="en-US" altLang="ko-KR" sz="1600" dirty="0"/>
+              <a:t> z == k:</a:t>
+            </a:r>
+          </a:p>
+          <a:p>
+            <a:r>
+              <a:rPr lang="en-US" altLang="ko-KR" sz="1600" dirty="0"/>
+              <a:t>            monkey(x, y, z)</a:t>
+            </a:r>
+          </a:p>
+          <a:p>
+            <a:r>
+              <a:rPr lang="en-US" altLang="ko-KR" sz="1600" dirty="0"/>
+              <a:t/>
+            </a:r>
+            <a:br>
+              <a:rPr lang="en-US" altLang="ko-KR" sz="1600" dirty="0"/>
+            </a:br>
+            <a:r>
+              <a:rPr lang="en-US" altLang="ko-KR" sz="1600" dirty="0"/>
+              <a:t>    print(-1)</a:t>
+            </a:r>
+          </a:p>
+          <a:p>
+            <a:r>
+              <a:rPr lang="en-US" altLang="ko-KR" sz="1600" dirty="0"/>
+              <a:t/>
+            </a:r>
+            <a:br>
+              <a:rPr lang="en-US" altLang="ko-KR" sz="1600" dirty="0"/>
+            </a:br>
+            <a:r>
+              <a:rPr lang="en-US" altLang="ko-KR" sz="1600" dirty="0" err="1"/>
+              <a:t>bfs</a:t>
+            </a:r>
+            <a:r>
+              <a:rPr lang="en-US" altLang="ko-KR" sz="1600" dirty="0" smtClean="0"/>
+              <a:t>()</a:t>
+            </a:r>
+            <a:endParaRPr lang="en-US" altLang="ko-KR" sz="1600" dirty="0"/>
+          </a:p>
+        </p:txBody>
+      </p:sp>
+      <p:sp>
+        <p:nvSpPr>
+          <p:cNvPr id="6" name="직사각형 5"/>
+          <p:cNvSpPr/>
+          <p:nvPr/>
+        </p:nvSpPr>
+        <p:spPr>
+          <a:xfrm>
+            <a:off x="169334" y="169334"/>
+            <a:ext cx="11853333" cy="6519333"/>
+          </a:xfrm>
+          <a:prstGeom prst="rect">
+            <a:avLst/>
+          </a:prstGeom>
+          <a:noFill/>
+          <a:ln w="12700">
+            <a:solidFill>
+              <a:schemeClr val="bg1">
+                <a:lumMod val="75000"/>
+              </a:schemeClr>
+            </a:solidFill>
+          </a:ln>
+        </p:spPr>
+        <p:style>
+          <a:lnRef idx="2">
+            <a:schemeClr val="accent1">
+              <a:shade val="50000"/>
+            </a:schemeClr>
+          </a:lnRef>
+          <a:fillRef idx="1">
+            <a:schemeClr val="accent1"/>
+          </a:fillRef>
+          <a:effectRef idx="0">
+            <a:schemeClr val="accent1"/>
+          </a:effectRef>
+          <a:fontRef idx="minor">
+            <a:schemeClr val="lt1"/>
+          </a:fontRef>
+        </p:style>
+        <p:txBody>
+          <a:bodyPr rtlCol="0" anchor="ctr"/>
+          <a:lstStyle/>
+          <a:p>
+            <a:pPr algn="ctr"/>
+            <a:endParaRPr lang="ko-KR" altLang="en-US"/>
+          </a:p>
+        </p:txBody>
+      </p:sp>
+      <p:sp>
+        <p:nvSpPr>
+          <p:cNvPr id="7" name="TextBox 6"/>
+          <p:cNvSpPr txBox="1"/>
+          <p:nvPr/>
+        </p:nvSpPr>
+        <p:spPr>
+          <a:xfrm>
+            <a:off x="400049" y="611977"/>
+            <a:ext cx="6271221" cy="584775"/>
+          </a:xfrm>
+          <a:prstGeom prst="rect">
+            <a:avLst/>
+          </a:prstGeom>
+          <a:noFill/>
+        </p:spPr>
+        <p:txBody>
+          <a:bodyPr wrap="square" rtlCol="0">
+            <a:spAutoFit/>
+          </a:bodyPr>
+          <a:lstStyle/>
+          <a:p>
+            <a:r>
+              <a:rPr lang="ko-KR" altLang="en-US" sz="3200" dirty="0">
+                <a:ln>
+                  <a:solidFill>
+                    <a:schemeClr val="tx1">
+                      <a:alpha val="50000"/>
+                    </a:schemeClr>
+                  </a:solidFill>
+                </a:ln>
+                <a:latin typeface="-윤고딕330" panose="02030504000101010101" pitchFamily="18" charset="-127"/>
+                <a:ea typeface="-윤고딕330" panose="02030504000101010101" pitchFamily="18" charset="-127"/>
+              </a:rPr>
+              <a:t>풀이</a:t>
+            </a:r>
+            <a:endParaRPr lang="en-US" altLang="ko-KR" sz="3200" dirty="0">
+              <a:ln>
+                <a:solidFill>
+                  <a:schemeClr val="tx1">
+                    <a:alpha val="50000"/>
+                  </a:schemeClr>
+                </a:solidFill>
+              </a:ln>
+              <a:latin typeface="-윤고딕330" panose="02030504000101010101" pitchFamily="18" charset="-127"/>
+              <a:ea typeface="-윤고딕330" panose="02030504000101010101" pitchFamily="18" charset="-127"/>
+            </a:endParaRPr>
+          </a:p>
+        </p:txBody>
+      </p:sp>
+      <p:sp>
+        <p:nvSpPr>
+          <p:cNvPr id="8" name="TextBox 7"/>
+          <p:cNvSpPr txBox="1"/>
+          <p:nvPr/>
+        </p:nvSpPr>
+        <p:spPr>
+          <a:xfrm>
+            <a:off x="982638" y="1484784"/>
+            <a:ext cx="5760640" cy="4770537"/>
+          </a:xfrm>
+          <a:prstGeom prst="rect">
+            <a:avLst/>
+          </a:prstGeom>
+          <a:noFill/>
+          <a:ln>
+            <a:solidFill>
+              <a:schemeClr val="tx1"/>
+            </a:solidFill>
+          </a:ln>
+        </p:spPr>
+        <p:txBody>
+          <a:bodyPr wrap="square" rtlCol="0">
+            <a:spAutoFit/>
+          </a:bodyPr>
+          <a:lstStyle/>
+          <a:p>
+            <a:r>
+              <a:rPr lang="en-US" altLang="ko-KR" sz="1600" dirty="0" err="1"/>
+              <a:t>def</a:t>
+            </a:r>
+            <a:r>
+              <a:rPr lang="en-US" altLang="ko-KR" sz="1600" dirty="0"/>
+              <a:t> horse(x, y, z):</a:t>
+            </a:r>
+          </a:p>
+          <a:p>
+            <a:r>
+              <a:rPr lang="en-US" altLang="ko-KR" sz="1600" dirty="0"/>
+              <a:t>    for i in range(8):</a:t>
+            </a:r>
+          </a:p>
+          <a:p>
+            <a:r>
+              <a:rPr lang="en-US" altLang="ko-KR" sz="1600" dirty="0"/>
+              <a:t>        </a:t>
+            </a:r>
+            <a:r>
+              <a:rPr lang="en-US" altLang="ko-KR" sz="1600" dirty="0" err="1"/>
+              <a:t>nx</a:t>
+            </a:r>
+            <a:r>
+              <a:rPr lang="en-US" altLang="ko-KR" sz="1600" dirty="0"/>
+              <a:t> = x + dx2[i]</a:t>
+            </a:r>
+          </a:p>
+          <a:p>
+            <a:r>
+              <a:rPr lang="en-US" altLang="ko-KR" sz="1600" dirty="0"/>
+              <a:t>        </a:t>
+            </a:r>
+            <a:r>
+              <a:rPr lang="en-US" altLang="ko-KR" sz="1600" dirty="0" err="1"/>
+              <a:t>ny</a:t>
+            </a:r>
+            <a:r>
+              <a:rPr lang="en-US" altLang="ko-KR" sz="1600" dirty="0"/>
+              <a:t> = y + dy2[i]</a:t>
+            </a:r>
+          </a:p>
+          <a:p>
+            <a:r>
+              <a:rPr lang="en-US" altLang="ko-KR" sz="1600" dirty="0"/>
+              <a:t>        if 0 &lt;= </a:t>
+            </a:r>
+            <a:r>
+              <a:rPr lang="en-US" altLang="ko-KR" sz="1600" dirty="0" err="1"/>
+              <a:t>nx</a:t>
+            </a:r>
+            <a:r>
+              <a:rPr lang="en-US" altLang="ko-KR" sz="1600" dirty="0"/>
+              <a:t> &lt; h and 0 &lt;= </a:t>
+            </a:r>
+            <a:r>
+              <a:rPr lang="en-US" altLang="ko-KR" sz="1600" dirty="0" err="1"/>
+              <a:t>ny</a:t>
+            </a:r>
+            <a:r>
+              <a:rPr lang="en-US" altLang="ko-KR" sz="1600" dirty="0"/>
+              <a:t> &lt; w:</a:t>
+            </a:r>
+          </a:p>
+          <a:p>
+            <a:r>
+              <a:rPr lang="en-US" altLang="ko-KR" sz="1600" dirty="0"/>
+              <a:t>            if a[</a:t>
+            </a:r>
+            <a:r>
+              <a:rPr lang="en-US" altLang="ko-KR" sz="1600" dirty="0" err="1"/>
+              <a:t>nx</a:t>
+            </a:r>
+            <a:r>
+              <a:rPr lang="en-US" altLang="ko-KR" sz="1600" dirty="0"/>
+              <a:t>][</a:t>
+            </a:r>
+            <a:r>
+              <a:rPr lang="en-US" altLang="ko-KR" sz="1600" dirty="0" err="1"/>
+              <a:t>ny</a:t>
+            </a:r>
+            <a:r>
+              <a:rPr lang="en-US" altLang="ko-KR" sz="1600" dirty="0"/>
+              <a:t>] == 0 and check[z+1][</a:t>
+            </a:r>
+            <a:r>
+              <a:rPr lang="en-US" altLang="ko-KR" sz="1600" dirty="0" err="1"/>
+              <a:t>nx</a:t>
+            </a:r>
+            <a:r>
+              <a:rPr lang="en-US" altLang="ko-KR" sz="1600" dirty="0"/>
+              <a:t>][</a:t>
+            </a:r>
+            <a:r>
+              <a:rPr lang="en-US" altLang="ko-KR" sz="1600" dirty="0" err="1"/>
+              <a:t>ny</a:t>
+            </a:r>
+            <a:r>
+              <a:rPr lang="en-US" altLang="ko-KR" sz="1600" dirty="0"/>
+              <a:t>] == False:</a:t>
+            </a:r>
+          </a:p>
+          <a:p>
+            <a:r>
+              <a:rPr lang="en-US" altLang="ko-KR" sz="1600" dirty="0"/>
+              <a:t>                </a:t>
+            </a:r>
+            <a:r>
+              <a:rPr lang="en-US" altLang="ko-KR" sz="1600" dirty="0" err="1"/>
+              <a:t>dist</a:t>
+            </a:r>
+            <a:r>
+              <a:rPr lang="en-US" altLang="ko-KR" sz="1600" dirty="0"/>
+              <a:t>[z+1][</a:t>
+            </a:r>
+            <a:r>
+              <a:rPr lang="en-US" altLang="ko-KR" sz="1600" dirty="0" err="1"/>
+              <a:t>nx</a:t>
+            </a:r>
+            <a:r>
+              <a:rPr lang="en-US" altLang="ko-KR" sz="1600" dirty="0"/>
+              <a:t>][</a:t>
+            </a:r>
+            <a:r>
+              <a:rPr lang="en-US" altLang="ko-KR" sz="1600" dirty="0" err="1"/>
+              <a:t>ny</a:t>
+            </a:r>
+            <a:r>
+              <a:rPr lang="en-US" altLang="ko-KR" sz="1600" dirty="0"/>
+              <a:t>] = </a:t>
+            </a:r>
+            <a:r>
+              <a:rPr lang="en-US" altLang="ko-KR" sz="1600" dirty="0" err="1"/>
+              <a:t>dist</a:t>
+            </a:r>
+            <a:r>
+              <a:rPr lang="en-US" altLang="ko-KR" sz="1600" dirty="0"/>
+              <a:t>[z][x][y] + 1</a:t>
+            </a:r>
+          </a:p>
+          <a:p>
+            <a:r>
+              <a:rPr lang="en-US" altLang="ko-KR" sz="1600" dirty="0"/>
+              <a:t>                check[z+1][</a:t>
+            </a:r>
+            <a:r>
+              <a:rPr lang="en-US" altLang="ko-KR" sz="1600" dirty="0" err="1"/>
+              <a:t>nx</a:t>
+            </a:r>
+            <a:r>
+              <a:rPr lang="en-US" altLang="ko-KR" sz="1600" dirty="0"/>
+              <a:t>][</a:t>
+            </a:r>
+            <a:r>
+              <a:rPr lang="en-US" altLang="ko-KR" sz="1600" dirty="0" err="1"/>
+              <a:t>ny</a:t>
+            </a:r>
+            <a:r>
+              <a:rPr lang="en-US" altLang="ko-KR" sz="1600" dirty="0"/>
+              <a:t>] = True</a:t>
+            </a:r>
+          </a:p>
+          <a:p>
+            <a:r>
+              <a:rPr lang="en-US" altLang="ko-KR" sz="1600" dirty="0"/>
+              <a:t>                </a:t>
+            </a:r>
+            <a:r>
+              <a:rPr lang="en-US" altLang="ko-KR" sz="1600" dirty="0" err="1"/>
+              <a:t>q.append</a:t>
+            </a:r>
+            <a:r>
+              <a:rPr lang="en-US" altLang="ko-KR" sz="1600" dirty="0"/>
+              <a:t>([</a:t>
+            </a:r>
+            <a:r>
+              <a:rPr lang="en-US" altLang="ko-KR" sz="1600" dirty="0" err="1"/>
+              <a:t>nx</a:t>
+            </a:r>
+            <a:r>
+              <a:rPr lang="en-US" altLang="ko-KR" sz="1600" dirty="0"/>
+              <a:t>, </a:t>
+            </a:r>
+            <a:r>
+              <a:rPr lang="en-US" altLang="ko-KR" sz="1600" dirty="0" err="1"/>
+              <a:t>ny</a:t>
+            </a:r>
+            <a:r>
+              <a:rPr lang="en-US" altLang="ko-KR" sz="1600" dirty="0"/>
+              <a:t>, z+1])</a:t>
+            </a:r>
+          </a:p>
+          <a:p>
+            <a:r>
+              <a:rPr lang="en-US" altLang="ko-KR" sz="1600" dirty="0"/>
+              <a:t/>
+            </a:r>
+            <a:br>
+              <a:rPr lang="en-US" altLang="ko-KR" sz="1600" dirty="0"/>
+            </a:br>
+            <a:r>
+              <a:rPr lang="en-US" altLang="ko-KR" sz="1600" dirty="0" err="1"/>
+              <a:t>def</a:t>
+            </a:r>
+            <a:r>
+              <a:rPr lang="en-US" altLang="ko-KR" sz="1600" dirty="0"/>
+              <a:t> monkey(x, y, z):</a:t>
+            </a:r>
+          </a:p>
+          <a:p>
+            <a:r>
+              <a:rPr lang="en-US" altLang="ko-KR" sz="1600" dirty="0"/>
+              <a:t>    for i in range(4):</a:t>
+            </a:r>
+          </a:p>
+          <a:p>
+            <a:r>
+              <a:rPr lang="en-US" altLang="ko-KR" sz="1600" dirty="0"/>
+              <a:t>        </a:t>
+            </a:r>
+            <a:r>
+              <a:rPr lang="en-US" altLang="ko-KR" sz="1600" dirty="0" err="1"/>
+              <a:t>nx</a:t>
+            </a:r>
+            <a:r>
+              <a:rPr lang="en-US" altLang="ko-KR" sz="1600" dirty="0"/>
+              <a:t> = x + dx1[i]</a:t>
+            </a:r>
+          </a:p>
+          <a:p>
+            <a:r>
+              <a:rPr lang="en-US" altLang="ko-KR" sz="1600" dirty="0"/>
+              <a:t>        </a:t>
+            </a:r>
+            <a:r>
+              <a:rPr lang="en-US" altLang="ko-KR" sz="1600" dirty="0" err="1"/>
+              <a:t>ny</a:t>
+            </a:r>
+            <a:r>
+              <a:rPr lang="en-US" altLang="ko-KR" sz="1600" dirty="0"/>
+              <a:t> = y + dy1[i]</a:t>
+            </a:r>
+          </a:p>
+          <a:p>
+            <a:r>
+              <a:rPr lang="en-US" altLang="ko-KR" sz="1600" dirty="0"/>
+              <a:t>        if 0 &lt;= </a:t>
+            </a:r>
+            <a:r>
+              <a:rPr lang="en-US" altLang="ko-KR" sz="1600" dirty="0" err="1"/>
+              <a:t>nx</a:t>
+            </a:r>
+            <a:r>
+              <a:rPr lang="en-US" altLang="ko-KR" sz="1600" dirty="0"/>
+              <a:t> &lt; h and 0 &lt;= </a:t>
+            </a:r>
+            <a:r>
+              <a:rPr lang="en-US" altLang="ko-KR" sz="1600" dirty="0" err="1"/>
+              <a:t>ny</a:t>
+            </a:r>
+            <a:r>
+              <a:rPr lang="en-US" altLang="ko-KR" sz="1600" dirty="0"/>
+              <a:t> &lt; w:</a:t>
+            </a:r>
+          </a:p>
+          <a:p>
+            <a:r>
+              <a:rPr lang="en-US" altLang="ko-KR" sz="1600" dirty="0"/>
+              <a:t>            if a[</a:t>
+            </a:r>
+            <a:r>
+              <a:rPr lang="en-US" altLang="ko-KR" sz="1600" dirty="0" err="1"/>
+              <a:t>nx</a:t>
+            </a:r>
+            <a:r>
+              <a:rPr lang="en-US" altLang="ko-KR" sz="1600" dirty="0"/>
+              <a:t>][</a:t>
+            </a:r>
+            <a:r>
+              <a:rPr lang="en-US" altLang="ko-KR" sz="1600" dirty="0" err="1"/>
+              <a:t>ny</a:t>
+            </a:r>
+            <a:r>
+              <a:rPr lang="en-US" altLang="ko-KR" sz="1600" dirty="0"/>
+              <a:t>] == 0 and check[z][</a:t>
+            </a:r>
+            <a:r>
+              <a:rPr lang="en-US" altLang="ko-KR" sz="1600" dirty="0" err="1"/>
+              <a:t>nx</a:t>
+            </a:r>
+            <a:r>
+              <a:rPr lang="en-US" altLang="ko-KR" sz="1600" dirty="0"/>
+              <a:t>][</a:t>
+            </a:r>
+            <a:r>
+              <a:rPr lang="en-US" altLang="ko-KR" sz="1600" dirty="0" err="1"/>
+              <a:t>ny</a:t>
+            </a:r>
+            <a:r>
+              <a:rPr lang="en-US" altLang="ko-KR" sz="1600" dirty="0"/>
+              <a:t>] == False:</a:t>
+            </a:r>
+          </a:p>
+          <a:p>
+            <a:r>
+              <a:rPr lang="en-US" altLang="ko-KR" sz="1600" dirty="0"/>
+              <a:t>                </a:t>
+            </a:r>
+            <a:r>
+              <a:rPr lang="en-US" altLang="ko-KR" sz="1600" dirty="0" err="1"/>
+              <a:t>dist</a:t>
+            </a:r>
+            <a:r>
+              <a:rPr lang="en-US" altLang="ko-KR" sz="1600" dirty="0"/>
+              <a:t>[z][</a:t>
+            </a:r>
+            <a:r>
+              <a:rPr lang="en-US" altLang="ko-KR" sz="1600" dirty="0" err="1"/>
+              <a:t>nx</a:t>
+            </a:r>
+            <a:r>
+              <a:rPr lang="en-US" altLang="ko-KR" sz="1600" dirty="0"/>
+              <a:t>][</a:t>
+            </a:r>
+            <a:r>
+              <a:rPr lang="en-US" altLang="ko-KR" sz="1600" dirty="0" err="1"/>
+              <a:t>ny</a:t>
+            </a:r>
+            <a:r>
+              <a:rPr lang="en-US" altLang="ko-KR" sz="1600" dirty="0"/>
+              <a:t>] = </a:t>
+            </a:r>
+            <a:r>
+              <a:rPr lang="en-US" altLang="ko-KR" sz="1600" dirty="0" err="1"/>
+              <a:t>dist</a:t>
+            </a:r>
+            <a:r>
+              <a:rPr lang="en-US" altLang="ko-KR" sz="1600" dirty="0"/>
+              <a:t>[z][x][y] + 1</a:t>
+            </a:r>
+          </a:p>
+          <a:p>
+            <a:r>
+              <a:rPr lang="en-US" altLang="ko-KR" sz="1600" dirty="0"/>
+              <a:t>                check[z][</a:t>
+            </a:r>
+            <a:r>
+              <a:rPr lang="en-US" altLang="ko-KR" sz="1600" dirty="0" err="1"/>
+              <a:t>nx</a:t>
+            </a:r>
+            <a:r>
+              <a:rPr lang="en-US" altLang="ko-KR" sz="1600" dirty="0"/>
+              <a:t>][</a:t>
+            </a:r>
+            <a:r>
+              <a:rPr lang="en-US" altLang="ko-KR" sz="1600" dirty="0" err="1"/>
+              <a:t>ny</a:t>
+            </a:r>
+            <a:r>
+              <a:rPr lang="en-US" altLang="ko-KR" sz="1600" dirty="0"/>
+              <a:t>] = True</a:t>
+            </a:r>
+          </a:p>
+          <a:p>
+            <a:r>
+              <a:rPr lang="en-US" altLang="ko-KR" sz="1600" dirty="0"/>
+              <a:t>                </a:t>
+            </a:r>
+            <a:r>
+              <a:rPr lang="en-US" altLang="ko-KR" sz="1600" dirty="0" err="1"/>
+              <a:t>q.append</a:t>
+            </a:r>
+            <a:r>
+              <a:rPr lang="en-US" altLang="ko-KR" sz="1600" dirty="0"/>
+              <a:t>([</a:t>
+            </a:r>
+            <a:r>
+              <a:rPr lang="en-US" altLang="ko-KR" sz="1600" dirty="0" err="1"/>
+              <a:t>nx</a:t>
+            </a:r>
+            <a:r>
+              <a:rPr lang="en-US" altLang="ko-KR" sz="1600" dirty="0"/>
+              <a:t>, </a:t>
+            </a:r>
+            <a:r>
+              <a:rPr lang="en-US" altLang="ko-KR" sz="1600" dirty="0" err="1"/>
+              <a:t>ny</a:t>
+            </a:r>
+            <a:r>
+              <a:rPr lang="en-US" altLang="ko-KR" sz="1600" dirty="0"/>
+              <a:t>, z</a:t>
+            </a:r>
+            <a:r>
+              <a:rPr lang="en-US" altLang="ko-KR" sz="1600" dirty="0" smtClean="0"/>
+              <a:t>])</a:t>
+            </a:r>
+            <a:endParaRPr lang="en-US" altLang="ko-KR" sz="1600" dirty="0"/>
+          </a:p>
+        </p:txBody>
+      </p:sp>
+    </p:spTree>
+    <p:extLst>
+      <p:ext uri="{BB962C8B-B14F-4D97-AF65-F5344CB8AC3E}">
+        <p14:creationId xmlns:p14="http://schemas.microsoft.com/office/powerpoint/2010/main" val="2327801430"/>
       </p:ext>
     </p:extLst>
   </p:cSld>
